--- a/documents/T3-ShareList-Projektvorstellung_v1.0.pptx
+++ b/documents/T3-ShareList-Projektvorstellung_v1.0.pptx
@@ -2393,6 +2393,753 @@
 </file>
 
 <file path=ppt/diagrams/colors4.xml><?xml version="1.0" encoding="utf-8"?>
+<dgm:colorsDef xmlns:dgm="http://schemas.openxmlformats.org/drawingml/2006/diagram" xmlns:a="http://schemas.openxmlformats.org/drawingml/2006/main" uniqueId="urn:microsoft.com/office/officeart/2005/8/colors/accent1_2">
+  <dgm:title val=""/>
+  <dgm:desc val=""/>
+  <dgm:catLst>
+    <dgm:cat type="accent1" pri="11200"/>
+  </dgm:catLst>
+  <dgm:styleLbl name="node0">
+    <dgm:fillClrLst meth="repeat">
+      <a:schemeClr val="accent1"/>
+    </dgm:fillClrLst>
+    <dgm:linClrLst meth="repeat">
+      <a:schemeClr val="lt1"/>
+    </dgm:linClrLst>
+    <dgm:effectClrLst/>
+    <dgm:txLinClrLst/>
+    <dgm:txFillClrLst/>
+    <dgm:txEffectClrLst/>
+  </dgm:styleLbl>
+  <dgm:styleLbl name="alignNode1">
+    <dgm:fillClrLst meth="repeat">
+      <a:schemeClr val="accent1"/>
+    </dgm:fillClrLst>
+    <dgm:linClrLst meth="repeat">
+      <a:schemeClr val="accent1"/>
+    </dgm:linClrLst>
+    <dgm:effectClrLst/>
+    <dgm:txLinClrLst/>
+    <dgm:txFillClrLst/>
+    <dgm:txEffectClrLst/>
+  </dgm:styleLbl>
+  <dgm:styleLbl name="node1">
+    <dgm:fillClrLst meth="repeat">
+      <a:schemeClr val="accent1"/>
+    </dgm:fillClrLst>
+    <dgm:linClrLst meth="repeat">
+      <a:schemeClr val="lt1"/>
+    </dgm:linClrLst>
+    <dgm:effectClrLst/>
+    <dgm:txLinClrLst/>
+    <dgm:txFillClrLst/>
+    <dgm:txEffectClrLst/>
+  </dgm:styleLbl>
+  <dgm:styleLbl name="lnNode1">
+    <dgm:fillClrLst meth="repeat">
+      <a:schemeClr val="accent1"/>
+    </dgm:fillClrLst>
+    <dgm:linClrLst meth="repeat">
+      <a:schemeClr val="lt1"/>
+    </dgm:linClrLst>
+    <dgm:effectClrLst/>
+    <dgm:txLinClrLst/>
+    <dgm:txFillClrLst/>
+    <dgm:txEffectClrLst/>
+  </dgm:styleLbl>
+  <dgm:styleLbl name="vennNode1">
+    <dgm:fillClrLst meth="repeat">
+      <a:schemeClr val="accent1">
+        <a:alpha val="50000"/>
+      </a:schemeClr>
+    </dgm:fillClrLst>
+    <dgm:linClrLst meth="repeat">
+      <a:schemeClr val="lt1"/>
+    </dgm:linClrLst>
+    <dgm:effectClrLst/>
+    <dgm:txLinClrLst/>
+    <dgm:txFillClrLst/>
+    <dgm:txEffectClrLst/>
+  </dgm:styleLbl>
+  <dgm:styleLbl name="node2">
+    <dgm:fillClrLst meth="repeat">
+      <a:schemeClr val="accent1"/>
+    </dgm:fillClrLst>
+    <dgm:linClrLst meth="repeat">
+      <a:schemeClr val="lt1"/>
+    </dgm:linClrLst>
+    <dgm:effectClrLst/>
+    <dgm:txLinClrLst/>
+    <dgm:txFillClrLst/>
+    <dgm:txEffectClrLst/>
+  </dgm:styleLbl>
+  <dgm:styleLbl name="node3">
+    <dgm:fillClrLst meth="repeat">
+      <a:schemeClr val="accent1"/>
+    </dgm:fillClrLst>
+    <dgm:linClrLst meth="repeat">
+      <a:schemeClr val="lt1"/>
+    </dgm:linClrLst>
+    <dgm:effectClrLst/>
+    <dgm:txLinClrLst/>
+    <dgm:txFillClrLst/>
+    <dgm:txEffectClrLst/>
+  </dgm:styleLbl>
+  <dgm:styleLbl name="node4">
+    <dgm:fillClrLst meth="repeat">
+      <a:schemeClr val="accent1"/>
+    </dgm:fillClrLst>
+    <dgm:linClrLst meth="repeat">
+      <a:schemeClr val="lt1"/>
+    </dgm:linClrLst>
+    <dgm:effectClrLst/>
+    <dgm:txLinClrLst/>
+    <dgm:txFillClrLst/>
+    <dgm:txEffectClrLst/>
+  </dgm:styleLbl>
+  <dgm:styleLbl name="fgImgPlace1">
+    <dgm:fillClrLst meth="repeat">
+      <a:schemeClr val="accent1">
+        <a:tint val="50000"/>
+      </a:schemeClr>
+    </dgm:fillClrLst>
+    <dgm:linClrLst meth="repeat">
+      <a:schemeClr val="lt1"/>
+    </dgm:linClrLst>
+    <dgm:effectClrLst/>
+    <dgm:txLinClrLst/>
+    <dgm:txFillClrLst meth="repeat">
+      <a:schemeClr val="lt1"/>
+    </dgm:txFillClrLst>
+    <dgm:txEffectClrLst/>
+  </dgm:styleLbl>
+  <dgm:styleLbl name="alignImgPlace1">
+    <dgm:fillClrLst meth="repeat">
+      <a:schemeClr val="accent1">
+        <a:tint val="50000"/>
+      </a:schemeClr>
+    </dgm:fillClrLst>
+    <dgm:linClrLst meth="repeat">
+      <a:schemeClr val="lt1"/>
+    </dgm:linClrLst>
+    <dgm:effectClrLst/>
+    <dgm:txLinClrLst/>
+    <dgm:txFillClrLst meth="repeat">
+      <a:schemeClr val="lt1"/>
+    </dgm:txFillClrLst>
+    <dgm:txEffectClrLst/>
+  </dgm:styleLbl>
+  <dgm:styleLbl name="bgImgPlace1">
+    <dgm:fillClrLst meth="repeat">
+      <a:schemeClr val="accent1">
+        <a:tint val="50000"/>
+      </a:schemeClr>
+    </dgm:fillClrLst>
+    <dgm:linClrLst meth="repeat">
+      <a:schemeClr val="lt1"/>
+    </dgm:linClrLst>
+    <dgm:effectClrLst/>
+    <dgm:txLinClrLst/>
+    <dgm:txFillClrLst meth="repeat">
+      <a:schemeClr val="lt1"/>
+    </dgm:txFillClrLst>
+    <dgm:txEffectClrLst/>
+  </dgm:styleLbl>
+  <dgm:styleLbl name="sibTrans2D1">
+    <dgm:fillClrLst meth="repeat">
+      <a:schemeClr val="accent1">
+        <a:tint val="60000"/>
+      </a:schemeClr>
+    </dgm:fillClrLst>
+    <dgm:linClrLst meth="repeat">
+      <a:schemeClr val="accent1">
+        <a:tint val="60000"/>
+      </a:schemeClr>
+    </dgm:linClrLst>
+    <dgm:effectClrLst/>
+    <dgm:txLinClrLst/>
+    <dgm:txFillClrLst/>
+    <dgm:txEffectClrLst/>
+  </dgm:styleLbl>
+  <dgm:styleLbl name="fgSibTrans2D1">
+    <dgm:fillClrLst meth="repeat">
+      <a:schemeClr val="accent1">
+        <a:tint val="60000"/>
+      </a:schemeClr>
+    </dgm:fillClrLst>
+    <dgm:linClrLst meth="repeat">
+      <a:schemeClr val="accent1">
+        <a:tint val="60000"/>
+      </a:schemeClr>
+    </dgm:linClrLst>
+    <dgm:effectClrLst/>
+    <dgm:txLinClrLst/>
+    <dgm:txFillClrLst/>
+    <dgm:txEffectClrLst/>
+  </dgm:styleLbl>
+  <dgm:styleLbl name="bgSibTrans2D1">
+    <dgm:fillClrLst meth="repeat">
+      <a:schemeClr val="accent1">
+        <a:tint val="60000"/>
+      </a:schemeClr>
+    </dgm:fillClrLst>
+    <dgm:linClrLst meth="repeat">
+      <a:schemeClr val="accent1">
+        <a:tint val="60000"/>
+      </a:schemeClr>
+    </dgm:linClrLst>
+    <dgm:effectClrLst/>
+    <dgm:txLinClrLst/>
+    <dgm:txFillClrLst/>
+    <dgm:txEffectClrLst/>
+  </dgm:styleLbl>
+  <dgm:styleLbl name="sibTrans1D1">
+    <dgm:fillClrLst meth="repeat">
+      <a:schemeClr val="accent1"/>
+    </dgm:fillClrLst>
+    <dgm:linClrLst meth="repeat">
+      <a:schemeClr val="accent1"/>
+    </dgm:linClrLst>
+    <dgm:effectClrLst/>
+    <dgm:txLinClrLst/>
+    <dgm:txFillClrLst meth="repeat">
+      <a:schemeClr val="tx1"/>
+    </dgm:txFillClrLst>
+    <dgm:txEffectClrLst/>
+  </dgm:styleLbl>
+  <dgm:styleLbl name="callout">
+    <dgm:fillClrLst meth="repeat">
+      <a:schemeClr val="accent1"/>
+    </dgm:fillClrLst>
+    <dgm:linClrLst meth="repeat">
+      <a:schemeClr val="accent1">
+        <a:tint val="50000"/>
+      </a:schemeClr>
+    </dgm:linClrLst>
+    <dgm:effectClrLst/>
+    <dgm:txLinClrLst/>
+    <dgm:txFillClrLst meth="repeat">
+      <a:schemeClr val="tx1"/>
+    </dgm:txFillClrLst>
+    <dgm:txEffectClrLst/>
+  </dgm:styleLbl>
+  <dgm:styleLbl name="asst0">
+    <dgm:fillClrLst meth="repeat">
+      <a:schemeClr val="accent1"/>
+    </dgm:fillClrLst>
+    <dgm:linClrLst meth="repeat">
+      <a:schemeClr val="lt1"/>
+    </dgm:linClrLst>
+    <dgm:effectClrLst/>
+    <dgm:txLinClrLst/>
+    <dgm:txFillClrLst/>
+    <dgm:txEffectClrLst/>
+  </dgm:styleLbl>
+  <dgm:styleLbl name="asst1">
+    <dgm:fillClrLst meth="repeat">
+      <a:schemeClr val="accent1"/>
+    </dgm:fillClrLst>
+    <dgm:linClrLst meth="repeat">
+      <a:schemeClr val="lt1"/>
+    </dgm:linClrLst>
+    <dgm:effectClrLst/>
+    <dgm:txLinClrLst/>
+    <dgm:txFillClrLst/>
+    <dgm:txEffectClrLst/>
+  </dgm:styleLbl>
+  <dgm:styleLbl name="asst2">
+    <dgm:fillClrLst meth="repeat">
+      <a:schemeClr val="accent1"/>
+    </dgm:fillClrLst>
+    <dgm:linClrLst meth="repeat">
+      <a:schemeClr val="lt1"/>
+    </dgm:linClrLst>
+    <dgm:effectClrLst/>
+    <dgm:txLinClrLst/>
+    <dgm:txFillClrLst/>
+    <dgm:txEffectClrLst/>
+  </dgm:styleLbl>
+  <dgm:styleLbl name="asst3">
+    <dgm:fillClrLst meth="repeat">
+      <a:schemeClr val="accent1"/>
+    </dgm:fillClrLst>
+    <dgm:linClrLst meth="repeat">
+      <a:schemeClr val="lt1"/>
+    </dgm:linClrLst>
+    <dgm:effectClrLst/>
+    <dgm:txLinClrLst/>
+    <dgm:txFillClrLst/>
+    <dgm:txEffectClrLst/>
+  </dgm:styleLbl>
+  <dgm:styleLbl name="asst4">
+    <dgm:fillClrLst meth="repeat">
+      <a:schemeClr val="accent1"/>
+    </dgm:fillClrLst>
+    <dgm:linClrLst meth="repeat">
+      <a:schemeClr val="lt1"/>
+    </dgm:linClrLst>
+    <dgm:effectClrLst/>
+    <dgm:txLinClrLst/>
+    <dgm:txFillClrLst/>
+    <dgm:txEffectClrLst/>
+  </dgm:styleLbl>
+  <dgm:styleLbl name="parChTrans2D1">
+    <dgm:fillClrLst meth="repeat">
+      <a:schemeClr val="accent1">
+        <a:tint val="60000"/>
+      </a:schemeClr>
+    </dgm:fillClrLst>
+    <dgm:linClrLst meth="repeat">
+      <a:schemeClr val="accent1">
+        <a:tint val="60000"/>
+      </a:schemeClr>
+    </dgm:linClrLst>
+    <dgm:effectClrLst/>
+    <dgm:txLinClrLst/>
+    <dgm:txFillClrLst meth="repeat">
+      <a:schemeClr val="lt1"/>
+    </dgm:txFillClrLst>
+    <dgm:txEffectClrLst/>
+  </dgm:styleLbl>
+  <dgm:styleLbl name="parChTrans2D2">
+    <dgm:fillClrLst meth="repeat">
+      <a:schemeClr val="accent1"/>
+    </dgm:fillClrLst>
+    <dgm:linClrLst meth="repeat">
+      <a:schemeClr val="accent1"/>
+    </dgm:linClrLst>
+    <dgm:effectClrLst/>
+    <dgm:txLinClrLst/>
+    <dgm:txFillClrLst meth="repeat">
+      <a:schemeClr val="lt1"/>
+    </dgm:txFillClrLst>
+    <dgm:txEffectClrLst/>
+  </dgm:styleLbl>
+  <dgm:styleLbl name="parChTrans2D3">
+    <dgm:fillClrLst meth="repeat">
+      <a:schemeClr val="accent1"/>
+    </dgm:fillClrLst>
+    <dgm:linClrLst meth="repeat">
+      <a:schemeClr val="accent1"/>
+    </dgm:linClrLst>
+    <dgm:effectClrLst/>
+    <dgm:txLinClrLst/>
+    <dgm:txFillClrLst meth="repeat">
+      <a:schemeClr val="lt1"/>
+    </dgm:txFillClrLst>
+    <dgm:txEffectClrLst/>
+  </dgm:styleLbl>
+  <dgm:styleLbl name="parChTrans2D4">
+    <dgm:fillClrLst meth="repeat">
+      <a:schemeClr val="accent1"/>
+    </dgm:fillClrLst>
+    <dgm:linClrLst meth="repeat">
+      <a:schemeClr val="accent1"/>
+    </dgm:linClrLst>
+    <dgm:effectClrLst/>
+    <dgm:txLinClrLst/>
+    <dgm:txFillClrLst meth="repeat">
+      <a:schemeClr val="lt1"/>
+    </dgm:txFillClrLst>
+    <dgm:txEffectClrLst/>
+  </dgm:styleLbl>
+  <dgm:styleLbl name="parChTrans1D1">
+    <dgm:fillClrLst meth="repeat">
+      <a:schemeClr val="accent1"/>
+    </dgm:fillClrLst>
+    <dgm:linClrLst meth="repeat">
+      <a:schemeClr val="accent1">
+        <a:shade val="60000"/>
+      </a:schemeClr>
+    </dgm:linClrLst>
+    <dgm:effectClrLst/>
+    <dgm:txLinClrLst/>
+    <dgm:txFillClrLst meth="repeat">
+      <a:schemeClr val="tx1"/>
+    </dgm:txFillClrLst>
+    <dgm:txEffectClrLst/>
+  </dgm:styleLbl>
+  <dgm:styleLbl name="parChTrans1D2">
+    <dgm:fillClrLst meth="repeat">
+      <a:schemeClr val="accent1"/>
+    </dgm:fillClrLst>
+    <dgm:linClrLst meth="repeat">
+      <a:schemeClr val="accent1">
+        <a:shade val="60000"/>
+      </a:schemeClr>
+    </dgm:linClrLst>
+    <dgm:effectClrLst/>
+    <dgm:txLinClrLst/>
+    <dgm:txFillClrLst meth="repeat">
+      <a:schemeClr val="tx1"/>
+    </dgm:txFillClrLst>
+    <dgm:txEffectClrLst/>
+  </dgm:styleLbl>
+  <dgm:styleLbl name="parChTrans1D3">
+    <dgm:fillClrLst meth="repeat">
+      <a:schemeClr val="accent1"/>
+    </dgm:fillClrLst>
+    <dgm:linClrLst meth="repeat">
+      <a:schemeClr val="accent1">
+        <a:shade val="80000"/>
+      </a:schemeClr>
+    </dgm:linClrLst>
+    <dgm:effectClrLst/>
+    <dgm:txLinClrLst/>
+    <dgm:txFillClrLst meth="repeat">
+      <a:schemeClr val="tx1"/>
+    </dgm:txFillClrLst>
+    <dgm:txEffectClrLst/>
+  </dgm:styleLbl>
+  <dgm:styleLbl name="parChTrans1D4">
+    <dgm:fillClrLst meth="repeat">
+      <a:schemeClr val="accent1"/>
+    </dgm:fillClrLst>
+    <dgm:linClrLst meth="repeat">
+      <a:schemeClr val="accent1">
+        <a:shade val="80000"/>
+      </a:schemeClr>
+    </dgm:linClrLst>
+    <dgm:effectClrLst/>
+    <dgm:txLinClrLst/>
+    <dgm:txFillClrLst meth="repeat">
+      <a:schemeClr val="tx1"/>
+    </dgm:txFillClrLst>
+    <dgm:txEffectClrLst/>
+  </dgm:styleLbl>
+  <dgm:styleLbl name="fgAcc1">
+    <dgm:fillClrLst meth="repeat">
+      <a:schemeClr val="lt1">
+        <a:alpha val="90000"/>
+      </a:schemeClr>
+    </dgm:fillClrLst>
+    <dgm:linClrLst meth="repeat">
+      <a:schemeClr val="accent1"/>
+    </dgm:linClrLst>
+    <dgm:effectClrLst/>
+    <dgm:txLinClrLst/>
+    <dgm:txFillClrLst meth="repeat">
+      <a:schemeClr val="dk1"/>
+    </dgm:txFillClrLst>
+    <dgm:txEffectClrLst/>
+  </dgm:styleLbl>
+  <dgm:styleLbl name="conFgAcc1">
+    <dgm:fillClrLst meth="repeat">
+      <a:schemeClr val="lt1">
+        <a:alpha val="90000"/>
+      </a:schemeClr>
+    </dgm:fillClrLst>
+    <dgm:linClrLst meth="repeat">
+      <a:schemeClr val="accent1"/>
+    </dgm:linClrLst>
+    <dgm:effectClrLst/>
+    <dgm:txLinClrLst/>
+    <dgm:txFillClrLst meth="repeat">
+      <a:schemeClr val="dk1"/>
+    </dgm:txFillClrLst>
+    <dgm:txEffectClrLst/>
+  </dgm:styleLbl>
+  <dgm:styleLbl name="alignAcc1">
+    <dgm:fillClrLst meth="repeat">
+      <a:schemeClr val="lt1">
+        <a:alpha val="90000"/>
+      </a:schemeClr>
+    </dgm:fillClrLst>
+    <dgm:linClrLst meth="repeat">
+      <a:schemeClr val="accent1"/>
+    </dgm:linClrLst>
+    <dgm:effectClrLst/>
+    <dgm:txLinClrLst/>
+    <dgm:txFillClrLst meth="repeat">
+      <a:schemeClr val="dk1"/>
+    </dgm:txFillClrLst>
+    <dgm:txEffectClrLst/>
+  </dgm:styleLbl>
+  <dgm:styleLbl name="trAlignAcc1">
+    <dgm:fillClrLst meth="repeat">
+      <a:schemeClr val="lt1">
+        <a:alpha val="40000"/>
+      </a:schemeClr>
+    </dgm:fillClrLst>
+    <dgm:linClrLst meth="repeat">
+      <a:schemeClr val="accent1"/>
+    </dgm:linClrLst>
+    <dgm:effectClrLst/>
+    <dgm:txLinClrLst/>
+    <dgm:txFillClrLst meth="repeat">
+      <a:schemeClr val="dk1"/>
+    </dgm:txFillClrLst>
+    <dgm:txEffectClrLst/>
+  </dgm:styleLbl>
+  <dgm:styleLbl name="bgAcc1">
+    <dgm:fillClrLst meth="repeat">
+      <a:schemeClr val="lt1">
+        <a:alpha val="90000"/>
+      </a:schemeClr>
+    </dgm:fillClrLst>
+    <dgm:linClrLst meth="repeat">
+      <a:schemeClr val="accent1"/>
+    </dgm:linClrLst>
+    <dgm:effectClrLst/>
+    <dgm:txLinClrLst/>
+    <dgm:txFillClrLst meth="repeat">
+      <a:schemeClr val="dk1"/>
+    </dgm:txFillClrLst>
+    <dgm:txEffectClrLst/>
+  </dgm:styleLbl>
+  <dgm:styleLbl name="solidFgAcc1">
+    <dgm:fillClrLst meth="repeat">
+      <a:schemeClr val="lt1"/>
+    </dgm:fillClrLst>
+    <dgm:linClrLst meth="repeat">
+      <a:schemeClr val="accent1"/>
+    </dgm:linClrLst>
+    <dgm:effectClrLst/>
+    <dgm:txLinClrLst/>
+    <dgm:txFillClrLst meth="repeat">
+      <a:schemeClr val="dk1"/>
+    </dgm:txFillClrLst>
+    <dgm:txEffectClrLst/>
+  </dgm:styleLbl>
+  <dgm:styleLbl name="solidAlignAcc1">
+    <dgm:fillClrLst meth="repeat">
+      <a:schemeClr val="lt1"/>
+    </dgm:fillClrLst>
+    <dgm:linClrLst meth="repeat">
+      <a:schemeClr val="accent1"/>
+    </dgm:linClrLst>
+    <dgm:effectClrLst/>
+    <dgm:txLinClrLst/>
+    <dgm:txFillClrLst meth="repeat">
+      <a:schemeClr val="dk1"/>
+    </dgm:txFillClrLst>
+    <dgm:txEffectClrLst/>
+  </dgm:styleLbl>
+  <dgm:styleLbl name="solidBgAcc1">
+    <dgm:fillClrLst meth="repeat">
+      <a:schemeClr val="lt1"/>
+    </dgm:fillClrLst>
+    <dgm:linClrLst meth="repeat">
+      <a:schemeClr val="accent1"/>
+    </dgm:linClrLst>
+    <dgm:effectClrLst/>
+    <dgm:txLinClrLst/>
+    <dgm:txFillClrLst meth="repeat">
+      <a:schemeClr val="dk1"/>
+    </dgm:txFillClrLst>
+    <dgm:txEffectClrLst/>
+  </dgm:styleLbl>
+  <dgm:styleLbl name="fgAccFollowNode1">
+    <dgm:fillClrLst meth="repeat">
+      <a:schemeClr val="accent1">
+        <a:alpha val="90000"/>
+        <a:tint val="40000"/>
+      </a:schemeClr>
+    </dgm:fillClrLst>
+    <dgm:linClrLst meth="repeat">
+      <a:schemeClr val="accent1">
+        <a:alpha val="90000"/>
+        <a:tint val="40000"/>
+      </a:schemeClr>
+    </dgm:linClrLst>
+    <dgm:effectClrLst/>
+    <dgm:txLinClrLst/>
+    <dgm:txFillClrLst meth="repeat">
+      <a:schemeClr val="dk1"/>
+    </dgm:txFillClrLst>
+    <dgm:txEffectClrLst/>
+  </dgm:styleLbl>
+  <dgm:styleLbl name="alignAccFollowNode1">
+    <dgm:fillClrLst meth="repeat">
+      <a:schemeClr val="accent1">
+        <a:alpha val="90000"/>
+        <a:tint val="40000"/>
+      </a:schemeClr>
+    </dgm:fillClrLst>
+    <dgm:linClrLst meth="repeat">
+      <a:schemeClr val="accent1">
+        <a:alpha val="90000"/>
+        <a:tint val="40000"/>
+      </a:schemeClr>
+    </dgm:linClrLst>
+    <dgm:effectClrLst/>
+    <dgm:txLinClrLst/>
+    <dgm:txFillClrLst meth="repeat">
+      <a:schemeClr val="dk1"/>
+    </dgm:txFillClrLst>
+    <dgm:txEffectClrLst/>
+  </dgm:styleLbl>
+  <dgm:styleLbl name="bgAccFollowNode1">
+    <dgm:fillClrLst meth="repeat">
+      <a:schemeClr val="accent1">
+        <a:alpha val="90000"/>
+        <a:tint val="40000"/>
+      </a:schemeClr>
+    </dgm:fillClrLst>
+    <dgm:linClrLst meth="repeat">
+      <a:schemeClr val="accent1">
+        <a:alpha val="90000"/>
+        <a:tint val="40000"/>
+      </a:schemeClr>
+    </dgm:linClrLst>
+    <dgm:effectClrLst/>
+    <dgm:txLinClrLst/>
+    <dgm:txFillClrLst meth="repeat">
+      <a:schemeClr val="dk1"/>
+    </dgm:txFillClrLst>
+    <dgm:txEffectClrLst/>
+  </dgm:styleLbl>
+  <dgm:styleLbl name="fgAcc0">
+    <dgm:fillClrLst meth="repeat">
+      <a:schemeClr val="lt1">
+        <a:alpha val="90000"/>
+      </a:schemeClr>
+    </dgm:fillClrLst>
+    <dgm:linClrLst meth="repeat">
+      <a:schemeClr val="accent1"/>
+    </dgm:linClrLst>
+    <dgm:effectClrLst/>
+    <dgm:txLinClrLst/>
+    <dgm:txFillClrLst meth="repeat">
+      <a:schemeClr val="dk1"/>
+    </dgm:txFillClrLst>
+    <dgm:txEffectClrLst/>
+  </dgm:styleLbl>
+  <dgm:styleLbl name="fgAcc2">
+    <dgm:fillClrLst meth="repeat">
+      <a:schemeClr val="lt1">
+        <a:alpha val="90000"/>
+      </a:schemeClr>
+    </dgm:fillClrLst>
+    <dgm:linClrLst meth="repeat">
+      <a:schemeClr val="accent1"/>
+    </dgm:linClrLst>
+    <dgm:effectClrLst/>
+    <dgm:txLinClrLst/>
+    <dgm:txFillClrLst meth="repeat">
+      <a:schemeClr val="dk1"/>
+    </dgm:txFillClrLst>
+    <dgm:txEffectClrLst/>
+  </dgm:styleLbl>
+  <dgm:styleLbl name="fgAcc3">
+    <dgm:fillClrLst meth="repeat">
+      <a:schemeClr val="lt1">
+        <a:alpha val="90000"/>
+      </a:schemeClr>
+    </dgm:fillClrLst>
+    <dgm:linClrLst meth="repeat">
+      <a:schemeClr val="accent1"/>
+    </dgm:linClrLst>
+    <dgm:effectClrLst/>
+    <dgm:txLinClrLst/>
+    <dgm:txFillClrLst meth="repeat">
+      <a:schemeClr val="dk1"/>
+    </dgm:txFillClrLst>
+    <dgm:txEffectClrLst/>
+  </dgm:styleLbl>
+  <dgm:styleLbl name="fgAcc4">
+    <dgm:fillClrLst meth="repeat">
+      <a:schemeClr val="lt1">
+        <a:alpha val="90000"/>
+      </a:schemeClr>
+    </dgm:fillClrLst>
+    <dgm:linClrLst meth="repeat">
+      <a:schemeClr val="accent1"/>
+    </dgm:linClrLst>
+    <dgm:effectClrLst/>
+    <dgm:txLinClrLst/>
+    <dgm:txFillClrLst meth="repeat">
+      <a:schemeClr val="dk1"/>
+    </dgm:txFillClrLst>
+    <dgm:txEffectClrLst/>
+  </dgm:styleLbl>
+  <dgm:styleLbl name="bgShp">
+    <dgm:fillClrLst meth="repeat">
+      <a:schemeClr val="accent1">
+        <a:tint val="40000"/>
+      </a:schemeClr>
+    </dgm:fillClrLst>
+    <dgm:linClrLst meth="repeat">
+      <a:schemeClr val="accent1"/>
+    </dgm:linClrLst>
+    <dgm:effectClrLst/>
+    <dgm:txLinClrLst/>
+    <dgm:txFillClrLst meth="repeat">
+      <a:schemeClr val="dk1"/>
+    </dgm:txFillClrLst>
+    <dgm:txEffectClrLst/>
+  </dgm:styleLbl>
+  <dgm:styleLbl name="dkBgShp">
+    <dgm:fillClrLst meth="repeat">
+      <a:schemeClr val="accent1">
+        <a:shade val="80000"/>
+      </a:schemeClr>
+    </dgm:fillClrLst>
+    <dgm:linClrLst meth="repeat">
+      <a:schemeClr val="accent1"/>
+    </dgm:linClrLst>
+    <dgm:effectClrLst/>
+    <dgm:txLinClrLst/>
+    <dgm:txFillClrLst meth="repeat">
+      <a:schemeClr val="lt1"/>
+    </dgm:txFillClrLst>
+    <dgm:txEffectClrLst/>
+  </dgm:styleLbl>
+  <dgm:styleLbl name="trBgShp">
+    <dgm:fillClrLst meth="repeat">
+      <a:schemeClr val="accent1">
+        <a:tint val="50000"/>
+        <a:alpha val="40000"/>
+      </a:schemeClr>
+    </dgm:fillClrLst>
+    <dgm:linClrLst meth="repeat">
+      <a:schemeClr val="accent1"/>
+    </dgm:linClrLst>
+    <dgm:effectClrLst/>
+    <dgm:txLinClrLst/>
+    <dgm:txFillClrLst meth="repeat">
+      <a:schemeClr val="lt1"/>
+    </dgm:txFillClrLst>
+    <dgm:txEffectClrLst/>
+  </dgm:styleLbl>
+  <dgm:styleLbl name="fgShp">
+    <dgm:fillClrLst meth="repeat">
+      <a:schemeClr val="accent1">
+        <a:tint val="60000"/>
+      </a:schemeClr>
+    </dgm:fillClrLst>
+    <dgm:linClrLst meth="repeat">
+      <a:schemeClr val="lt1"/>
+    </dgm:linClrLst>
+    <dgm:effectClrLst/>
+    <dgm:txLinClrLst/>
+    <dgm:txFillClrLst meth="repeat">
+      <a:schemeClr val="dk1"/>
+    </dgm:txFillClrLst>
+    <dgm:txEffectClrLst/>
+  </dgm:styleLbl>
+  <dgm:styleLbl name="revTx">
+    <dgm:fillClrLst meth="repeat">
+      <a:schemeClr val="lt1">
+        <a:alpha val="0"/>
+      </a:schemeClr>
+    </dgm:fillClrLst>
+    <dgm:linClrLst meth="repeat">
+      <a:schemeClr val="dk1">
+        <a:alpha val="0"/>
+      </a:schemeClr>
+    </dgm:linClrLst>
+    <dgm:effectClrLst/>
+    <dgm:txLinClrLst/>
+    <dgm:txFillClrLst meth="repeat">
+      <a:schemeClr val="tx1"/>
+    </dgm:txFillClrLst>
+    <dgm:txEffectClrLst/>
+  </dgm:styleLbl>
+</dgm:colorsDef>
+</file>
+
+<file path=ppt/diagrams/colors5.xml><?xml version="1.0" encoding="utf-8"?>
 <dgm:colorsDef xmlns:dgm="http://schemas.openxmlformats.org/drawingml/2006/diagram" xmlns:a="http://schemas.openxmlformats.org/drawingml/2006/main" uniqueId="urn:microsoft.com/office/officeart/2005/8/colors/accent1_2">
   <dgm:title val=""/>
   <dgm:desc val=""/>
@@ -4535,6 +5282,308 @@
 </file>
 
 <file path=ppt/diagrams/data4.xml><?xml version="1.0" encoding="utf-8"?>
+<dgm:dataModel xmlns:dgm="http://schemas.openxmlformats.org/drawingml/2006/diagram" xmlns:a="http://schemas.openxmlformats.org/drawingml/2006/main">
+  <dgm:ptLst>
+    <dgm:pt modelId="{E2776965-8A1C-4161-953B-16A5A871BEF1}" type="doc">
+      <dgm:prSet loTypeId="urn:microsoft.com/office/officeart/2005/8/layout/vList2" loCatId="list" qsTypeId="urn:microsoft.com/office/officeart/2005/8/quickstyle/simple1" qsCatId="simple" csTypeId="urn:microsoft.com/office/officeart/2005/8/colors/accent1_2" csCatId="accent1"/>
+      <dgm:spPr/>
+      <dgm:t>
+        <a:bodyPr/>
+        <a:lstStyle/>
+        <a:p>
+          <a:endParaRPr lang="en-GB"/>
+        </a:p>
+      </dgm:t>
+    </dgm:pt>
+    <dgm:pt modelId="{35CF0ABD-578E-48EF-85F7-AABF228752F3}">
+      <dgm:prSet/>
+      <dgm:spPr/>
+      <dgm:t>
+        <a:bodyPr/>
+        <a:lstStyle/>
+        <a:p>
+          <a:r>
+            <a:rPr lang="en-GB"/>
+            <a:t>Website-Design fertiggestellt (Soll: 1.5.2022)</a:t>
+          </a:r>
+          <a:endParaRPr lang="de-AT"/>
+        </a:p>
+      </dgm:t>
+    </dgm:pt>
+    <dgm:pt modelId="{B665E067-0DE0-4547-8AB0-28B530B67E48}" type="parTrans" cxnId="{CBBC4666-982A-4A45-B355-771BF4A1CCC8}">
+      <dgm:prSet/>
+      <dgm:spPr/>
+      <dgm:t>
+        <a:bodyPr/>
+        <a:lstStyle/>
+        <a:p>
+          <a:endParaRPr lang="en-GB"/>
+        </a:p>
+      </dgm:t>
+    </dgm:pt>
+    <dgm:pt modelId="{23334228-5EC5-4E67-8876-669DE18EACAD}" type="sibTrans" cxnId="{CBBC4666-982A-4A45-B355-771BF4A1CCC8}">
+      <dgm:prSet/>
+      <dgm:spPr/>
+      <dgm:t>
+        <a:bodyPr/>
+        <a:lstStyle/>
+        <a:p>
+          <a:endParaRPr lang="en-GB"/>
+        </a:p>
+      </dgm:t>
+    </dgm:pt>
+    <dgm:pt modelId="{F3AB251E-C92A-42F0-A5C6-5D5ED726AD07}">
+      <dgm:prSet/>
+      <dgm:spPr/>
+      <dgm:t>
+        <a:bodyPr/>
+        <a:lstStyle/>
+        <a:p>
+          <a:r>
+            <a:rPr lang="en-GB"/>
+            <a:t>API-Integration fertiggestellt (Soll: 5.5.2022)</a:t>
+          </a:r>
+          <a:endParaRPr lang="de-AT"/>
+        </a:p>
+      </dgm:t>
+    </dgm:pt>
+    <dgm:pt modelId="{C609D9B4-E08B-4070-B1E2-AFDBF1BA8F5F}" type="parTrans" cxnId="{DA5257B7-7196-4032-8736-8C0D89E2618E}">
+      <dgm:prSet/>
+      <dgm:spPr/>
+      <dgm:t>
+        <a:bodyPr/>
+        <a:lstStyle/>
+        <a:p>
+          <a:endParaRPr lang="en-GB"/>
+        </a:p>
+      </dgm:t>
+    </dgm:pt>
+    <dgm:pt modelId="{4B32F0B1-E4D7-4B96-85AA-7B8E1A7ECCE9}" type="sibTrans" cxnId="{DA5257B7-7196-4032-8736-8C0D89E2618E}">
+      <dgm:prSet/>
+      <dgm:spPr/>
+      <dgm:t>
+        <a:bodyPr/>
+        <a:lstStyle/>
+        <a:p>
+          <a:endParaRPr lang="en-GB"/>
+        </a:p>
+      </dgm:t>
+    </dgm:pt>
+    <dgm:pt modelId="{492C02F2-E539-43A0-A98E-A58B0C236D0F}">
+      <dgm:prSet/>
+      <dgm:spPr/>
+      <dgm:t>
+        <a:bodyPr/>
+        <a:lstStyle/>
+        <a:p>
+          <a:r>
+            <a:rPr lang="en-GB"/>
+            <a:t>Datenbank Implementiert (Soll: 1.4.2022)</a:t>
+          </a:r>
+          <a:endParaRPr lang="de-AT"/>
+        </a:p>
+      </dgm:t>
+    </dgm:pt>
+    <dgm:pt modelId="{D0D4C956-133A-4816-A646-EB58FA89989F}" type="parTrans" cxnId="{55E93CE2-F606-41F5-853A-E46C5BD72366}">
+      <dgm:prSet/>
+      <dgm:spPr/>
+      <dgm:t>
+        <a:bodyPr/>
+        <a:lstStyle/>
+        <a:p>
+          <a:endParaRPr lang="en-GB"/>
+        </a:p>
+      </dgm:t>
+    </dgm:pt>
+    <dgm:pt modelId="{144F83DA-6660-4ED4-95B5-B4DE9D087962}" type="sibTrans" cxnId="{55E93CE2-F606-41F5-853A-E46C5BD72366}">
+      <dgm:prSet/>
+      <dgm:spPr/>
+      <dgm:t>
+        <a:bodyPr/>
+        <a:lstStyle/>
+        <a:p>
+          <a:endParaRPr lang="en-GB"/>
+        </a:p>
+      </dgm:t>
+    </dgm:pt>
+    <dgm:pt modelId="{8ACB1183-51D0-40D1-84F6-75239E04098B}">
+      <dgm:prSet/>
+      <dgm:spPr/>
+      <dgm:t>
+        <a:bodyPr/>
+        <a:lstStyle/>
+        <a:p>
+          <a:r>
+            <a:rPr lang="en-GB"/>
+            <a:t>API-Anfragen Handling integriert (Soll: 20.4.2022)</a:t>
+          </a:r>
+          <a:endParaRPr lang="de-AT"/>
+        </a:p>
+      </dgm:t>
+    </dgm:pt>
+    <dgm:pt modelId="{F6B0C5A9-B4D7-4EA3-8D96-11CF3638E870}" type="parTrans" cxnId="{F3C27296-6874-4AAC-B8DA-784455A5814B}">
+      <dgm:prSet/>
+      <dgm:spPr/>
+      <dgm:t>
+        <a:bodyPr/>
+        <a:lstStyle/>
+        <a:p>
+          <a:endParaRPr lang="en-GB"/>
+        </a:p>
+      </dgm:t>
+    </dgm:pt>
+    <dgm:pt modelId="{36820A65-D486-4CE9-8F4C-4F11DD7CA489}" type="sibTrans" cxnId="{F3C27296-6874-4AAC-B8DA-784455A5814B}">
+      <dgm:prSet/>
+      <dgm:spPr/>
+      <dgm:t>
+        <a:bodyPr/>
+        <a:lstStyle/>
+        <a:p>
+          <a:endParaRPr lang="en-GB"/>
+        </a:p>
+      </dgm:t>
+    </dgm:pt>
+    <dgm:pt modelId="{56167F75-9724-4BCA-8583-6B9B905FD46C}">
+      <dgm:prSet/>
+      <dgm:spPr/>
+      <dgm:t>
+        <a:bodyPr/>
+        <a:lstStyle/>
+        <a:p>
+          <a:r>
+            <a:rPr lang="en-GB"/>
+            <a:t>Projekt abgeschlossen (7.6.2022)</a:t>
+          </a:r>
+          <a:endParaRPr lang="de-AT"/>
+        </a:p>
+      </dgm:t>
+    </dgm:pt>
+    <dgm:pt modelId="{E69EC9FC-0BD3-44B9-BC45-89A5B2DE121E}" type="parTrans" cxnId="{8A4508C1-8FCD-4A48-B26F-80555CB07F1D}">
+      <dgm:prSet/>
+      <dgm:spPr/>
+      <dgm:t>
+        <a:bodyPr/>
+        <a:lstStyle/>
+        <a:p>
+          <a:endParaRPr lang="en-GB"/>
+        </a:p>
+      </dgm:t>
+    </dgm:pt>
+    <dgm:pt modelId="{CC2955E7-097C-4899-918A-C1D0346221D3}" type="sibTrans" cxnId="{8A4508C1-8FCD-4A48-B26F-80555CB07F1D}">
+      <dgm:prSet/>
+      <dgm:spPr/>
+      <dgm:t>
+        <a:bodyPr/>
+        <a:lstStyle/>
+        <a:p>
+          <a:endParaRPr lang="en-GB"/>
+        </a:p>
+      </dgm:t>
+    </dgm:pt>
+    <dgm:pt modelId="{48F2EF56-372D-4758-9A21-7E29ACD52D40}" type="pres">
+      <dgm:prSet presAssocID="{E2776965-8A1C-4161-953B-16A5A871BEF1}" presName="linear" presStyleCnt="0">
+        <dgm:presLayoutVars>
+          <dgm:animLvl val="lvl"/>
+          <dgm:resizeHandles val="exact"/>
+        </dgm:presLayoutVars>
+      </dgm:prSet>
+      <dgm:spPr/>
+    </dgm:pt>
+    <dgm:pt modelId="{F29B1A27-8D8C-4815-A556-9C4BBF10E619}" type="pres">
+      <dgm:prSet presAssocID="{35CF0ABD-578E-48EF-85F7-AABF228752F3}" presName="parentText" presStyleLbl="node1" presStyleIdx="0" presStyleCnt="5">
+        <dgm:presLayoutVars>
+          <dgm:chMax val="0"/>
+          <dgm:bulletEnabled val="1"/>
+        </dgm:presLayoutVars>
+      </dgm:prSet>
+      <dgm:spPr/>
+    </dgm:pt>
+    <dgm:pt modelId="{EB688430-6E3E-4D0E-A6EA-7468D0EF9845}" type="pres">
+      <dgm:prSet presAssocID="{23334228-5EC5-4E67-8876-669DE18EACAD}" presName="spacer" presStyleCnt="0"/>
+      <dgm:spPr/>
+    </dgm:pt>
+    <dgm:pt modelId="{13DA096F-B2B4-404F-9866-A9DA00B860C0}" type="pres">
+      <dgm:prSet presAssocID="{F3AB251E-C92A-42F0-A5C6-5D5ED726AD07}" presName="parentText" presStyleLbl="node1" presStyleIdx="1" presStyleCnt="5">
+        <dgm:presLayoutVars>
+          <dgm:chMax val="0"/>
+          <dgm:bulletEnabled val="1"/>
+        </dgm:presLayoutVars>
+      </dgm:prSet>
+      <dgm:spPr/>
+    </dgm:pt>
+    <dgm:pt modelId="{0A111F57-516A-4AD4-9702-864FC64BAAAE}" type="pres">
+      <dgm:prSet presAssocID="{4B32F0B1-E4D7-4B96-85AA-7B8E1A7ECCE9}" presName="spacer" presStyleCnt="0"/>
+      <dgm:spPr/>
+    </dgm:pt>
+    <dgm:pt modelId="{32653C0A-190B-4944-8207-F70F4B3BB777}" type="pres">
+      <dgm:prSet presAssocID="{492C02F2-E539-43A0-A98E-A58B0C236D0F}" presName="parentText" presStyleLbl="node1" presStyleIdx="2" presStyleCnt="5">
+        <dgm:presLayoutVars>
+          <dgm:chMax val="0"/>
+          <dgm:bulletEnabled val="1"/>
+        </dgm:presLayoutVars>
+      </dgm:prSet>
+      <dgm:spPr/>
+    </dgm:pt>
+    <dgm:pt modelId="{8DDEA9DA-B91B-4316-97FB-152B5F751E7B}" type="pres">
+      <dgm:prSet presAssocID="{144F83DA-6660-4ED4-95B5-B4DE9D087962}" presName="spacer" presStyleCnt="0"/>
+      <dgm:spPr/>
+    </dgm:pt>
+    <dgm:pt modelId="{2B0DB18C-275D-45D9-871A-478CE6A0C15A}" type="pres">
+      <dgm:prSet presAssocID="{8ACB1183-51D0-40D1-84F6-75239E04098B}" presName="parentText" presStyleLbl="node1" presStyleIdx="3" presStyleCnt="5">
+        <dgm:presLayoutVars>
+          <dgm:chMax val="0"/>
+          <dgm:bulletEnabled val="1"/>
+        </dgm:presLayoutVars>
+      </dgm:prSet>
+      <dgm:spPr/>
+    </dgm:pt>
+    <dgm:pt modelId="{81678863-BA0E-46F7-A0D2-7FB29BB5937E}" type="pres">
+      <dgm:prSet presAssocID="{36820A65-D486-4CE9-8F4C-4F11DD7CA489}" presName="spacer" presStyleCnt="0"/>
+      <dgm:spPr/>
+    </dgm:pt>
+    <dgm:pt modelId="{D603BD1C-0FFB-4D92-A736-CD410DAD87C4}" type="pres">
+      <dgm:prSet presAssocID="{56167F75-9724-4BCA-8583-6B9B905FD46C}" presName="parentText" presStyleLbl="node1" presStyleIdx="4" presStyleCnt="5">
+        <dgm:presLayoutVars>
+          <dgm:chMax val="0"/>
+          <dgm:bulletEnabled val="1"/>
+        </dgm:presLayoutVars>
+      </dgm:prSet>
+      <dgm:spPr/>
+    </dgm:pt>
+  </dgm:ptLst>
+  <dgm:cxnLst>
+    <dgm:cxn modelId="{FCBD5332-91FE-4864-8A78-8806D63FE31F}" type="presOf" srcId="{56167F75-9724-4BCA-8583-6B9B905FD46C}" destId="{D603BD1C-0FFB-4D92-A736-CD410DAD87C4}" srcOrd="0" destOrd="0" presId="urn:microsoft.com/office/officeart/2005/8/layout/vList2"/>
+    <dgm:cxn modelId="{CBBC4666-982A-4A45-B355-771BF4A1CCC8}" srcId="{E2776965-8A1C-4161-953B-16A5A871BEF1}" destId="{35CF0ABD-578E-48EF-85F7-AABF228752F3}" srcOrd="0" destOrd="0" parTransId="{B665E067-0DE0-4547-8AB0-28B530B67E48}" sibTransId="{23334228-5EC5-4E67-8876-669DE18EACAD}"/>
+    <dgm:cxn modelId="{F3C27296-6874-4AAC-B8DA-784455A5814B}" srcId="{E2776965-8A1C-4161-953B-16A5A871BEF1}" destId="{8ACB1183-51D0-40D1-84F6-75239E04098B}" srcOrd="3" destOrd="0" parTransId="{F6B0C5A9-B4D7-4EA3-8D96-11CF3638E870}" sibTransId="{36820A65-D486-4CE9-8F4C-4F11DD7CA489}"/>
+    <dgm:cxn modelId="{EAE0CBAC-57AB-4211-8947-F97F8C3B7B15}" type="presOf" srcId="{492C02F2-E539-43A0-A98E-A58B0C236D0F}" destId="{32653C0A-190B-4944-8207-F70F4B3BB777}" srcOrd="0" destOrd="0" presId="urn:microsoft.com/office/officeart/2005/8/layout/vList2"/>
+    <dgm:cxn modelId="{81116DB3-7788-4315-A4B2-27D17FDB6A6D}" type="presOf" srcId="{F3AB251E-C92A-42F0-A5C6-5D5ED726AD07}" destId="{13DA096F-B2B4-404F-9866-A9DA00B860C0}" srcOrd="0" destOrd="0" presId="urn:microsoft.com/office/officeart/2005/8/layout/vList2"/>
+    <dgm:cxn modelId="{DA5257B7-7196-4032-8736-8C0D89E2618E}" srcId="{E2776965-8A1C-4161-953B-16A5A871BEF1}" destId="{F3AB251E-C92A-42F0-A5C6-5D5ED726AD07}" srcOrd="1" destOrd="0" parTransId="{C609D9B4-E08B-4070-B1E2-AFDBF1BA8F5F}" sibTransId="{4B32F0B1-E4D7-4B96-85AA-7B8E1A7ECCE9}"/>
+    <dgm:cxn modelId="{8A4508C1-8FCD-4A48-B26F-80555CB07F1D}" srcId="{E2776965-8A1C-4161-953B-16A5A871BEF1}" destId="{56167F75-9724-4BCA-8583-6B9B905FD46C}" srcOrd="4" destOrd="0" parTransId="{E69EC9FC-0BD3-44B9-BC45-89A5B2DE121E}" sibTransId="{CC2955E7-097C-4899-918A-C1D0346221D3}"/>
+    <dgm:cxn modelId="{0B00B1C7-57E3-427A-BA45-1F3E9E0CE77E}" type="presOf" srcId="{35CF0ABD-578E-48EF-85F7-AABF228752F3}" destId="{F29B1A27-8D8C-4815-A556-9C4BBF10E619}" srcOrd="0" destOrd="0" presId="urn:microsoft.com/office/officeart/2005/8/layout/vList2"/>
+    <dgm:cxn modelId="{585702CE-241A-45D5-9051-8A000AE64D54}" type="presOf" srcId="{E2776965-8A1C-4161-953B-16A5A871BEF1}" destId="{48F2EF56-372D-4758-9A21-7E29ACD52D40}" srcOrd="0" destOrd="0" presId="urn:microsoft.com/office/officeart/2005/8/layout/vList2"/>
+    <dgm:cxn modelId="{31A4A3DB-E738-4B97-B2CB-F3BCDB4BC5EC}" type="presOf" srcId="{8ACB1183-51D0-40D1-84F6-75239E04098B}" destId="{2B0DB18C-275D-45D9-871A-478CE6A0C15A}" srcOrd="0" destOrd="0" presId="urn:microsoft.com/office/officeart/2005/8/layout/vList2"/>
+    <dgm:cxn modelId="{55E93CE2-F606-41F5-853A-E46C5BD72366}" srcId="{E2776965-8A1C-4161-953B-16A5A871BEF1}" destId="{492C02F2-E539-43A0-A98E-A58B0C236D0F}" srcOrd="2" destOrd="0" parTransId="{D0D4C956-133A-4816-A646-EB58FA89989F}" sibTransId="{144F83DA-6660-4ED4-95B5-B4DE9D087962}"/>
+    <dgm:cxn modelId="{DB19C229-4419-46A7-B0BC-E951FDC7E77B}" type="presParOf" srcId="{48F2EF56-372D-4758-9A21-7E29ACD52D40}" destId="{F29B1A27-8D8C-4815-A556-9C4BBF10E619}" srcOrd="0" destOrd="0" presId="urn:microsoft.com/office/officeart/2005/8/layout/vList2"/>
+    <dgm:cxn modelId="{590B376F-2EC4-4538-84AC-19209109C004}" type="presParOf" srcId="{48F2EF56-372D-4758-9A21-7E29ACD52D40}" destId="{EB688430-6E3E-4D0E-A6EA-7468D0EF9845}" srcOrd="1" destOrd="0" presId="urn:microsoft.com/office/officeart/2005/8/layout/vList2"/>
+    <dgm:cxn modelId="{88A4C31F-9E51-49D6-9AFB-AB7C67C5A8B1}" type="presParOf" srcId="{48F2EF56-372D-4758-9A21-7E29ACD52D40}" destId="{13DA096F-B2B4-404F-9866-A9DA00B860C0}" srcOrd="2" destOrd="0" presId="urn:microsoft.com/office/officeart/2005/8/layout/vList2"/>
+    <dgm:cxn modelId="{B9EB605A-C8A3-4CEE-A1C4-0AF29CE6328B}" type="presParOf" srcId="{48F2EF56-372D-4758-9A21-7E29ACD52D40}" destId="{0A111F57-516A-4AD4-9702-864FC64BAAAE}" srcOrd="3" destOrd="0" presId="urn:microsoft.com/office/officeart/2005/8/layout/vList2"/>
+    <dgm:cxn modelId="{C48CAF82-4FE4-408B-985F-746893F255AB}" type="presParOf" srcId="{48F2EF56-372D-4758-9A21-7E29ACD52D40}" destId="{32653C0A-190B-4944-8207-F70F4B3BB777}" srcOrd="4" destOrd="0" presId="urn:microsoft.com/office/officeart/2005/8/layout/vList2"/>
+    <dgm:cxn modelId="{A846A15C-E4B6-4B95-A2CA-B5913ABB0650}" type="presParOf" srcId="{48F2EF56-372D-4758-9A21-7E29ACD52D40}" destId="{8DDEA9DA-B91B-4316-97FB-152B5F751E7B}" srcOrd="5" destOrd="0" presId="urn:microsoft.com/office/officeart/2005/8/layout/vList2"/>
+    <dgm:cxn modelId="{2BB56881-2802-47D4-B11E-0750AFCC7EEB}" type="presParOf" srcId="{48F2EF56-372D-4758-9A21-7E29ACD52D40}" destId="{2B0DB18C-275D-45D9-871A-478CE6A0C15A}" srcOrd="6" destOrd="0" presId="urn:microsoft.com/office/officeart/2005/8/layout/vList2"/>
+    <dgm:cxn modelId="{C42C30C7-199C-4908-8E51-EE74DD918403}" type="presParOf" srcId="{48F2EF56-372D-4758-9A21-7E29ACD52D40}" destId="{81678863-BA0E-46F7-A0D2-7FB29BB5937E}" srcOrd="7" destOrd="0" presId="urn:microsoft.com/office/officeart/2005/8/layout/vList2"/>
+    <dgm:cxn modelId="{30E4B695-481B-457A-B008-178718DC8109}" type="presParOf" srcId="{48F2EF56-372D-4758-9A21-7E29ACD52D40}" destId="{D603BD1C-0FFB-4D92-A736-CD410DAD87C4}" srcOrd="8" destOrd="0" presId="urn:microsoft.com/office/officeart/2005/8/layout/vList2"/>
+  </dgm:cxnLst>
+  <dgm:bg/>
+  <dgm:whole/>
+  <dgm:extLst>
+    <a:ext uri="http://schemas.microsoft.com/office/drawing/2008/diagram">
+      <dsp:dataModelExt xmlns:dsp="http://schemas.microsoft.com/office/drawing/2008/diagram" relId="rId6" minVer="http://schemas.openxmlformats.org/drawingml/2006/diagram"/>
+    </a:ext>
+  </dgm:extLst>
+</dgm:dataModel>
+</file>
+
+<file path=ppt/diagrams/data5.xml><?xml version="1.0" encoding="utf-8"?>
 <dgm:dataModel xmlns:dgm="http://schemas.openxmlformats.org/drawingml/2006/diagram" xmlns:a="http://schemas.openxmlformats.org/drawingml/2006/main">
   <dgm:ptLst>
     <dgm:pt modelId="{D3A2F32A-0F27-4AB3-BC0E-EBD5423FF1AC}" type="doc">
@@ -7598,6 +8647,413 @@
       <dsp:cNvGrpSpPr/>
     </dsp:nvGrpSpPr>
     <dsp:grpSpPr/>
+    <dsp:sp modelId="{F29B1A27-8D8C-4815-A556-9C4BBF10E619}">
+      <dsp:nvSpPr>
+        <dsp:cNvPr id="0" name=""/>
+        <dsp:cNvSpPr/>
+      </dsp:nvSpPr>
+      <dsp:spPr>
+        <a:xfrm>
+          <a:off x="0" y="853284"/>
+          <a:ext cx="6478824" cy="575639"/>
+        </a:xfrm>
+        <a:prstGeom prst="roundRect">
+          <a:avLst/>
+        </a:prstGeom>
+        <a:solidFill>
+          <a:schemeClr val="accent1">
+            <a:hueOff val="0"/>
+            <a:satOff val="0"/>
+            <a:lumOff val="0"/>
+            <a:alphaOff val="0"/>
+          </a:schemeClr>
+        </a:solidFill>
+        <a:ln w="12700" cap="flat" cmpd="sng" algn="ctr">
+          <a:solidFill>
+            <a:schemeClr val="lt1">
+              <a:hueOff val="0"/>
+              <a:satOff val="0"/>
+              <a:lumOff val="0"/>
+              <a:alphaOff val="0"/>
+            </a:schemeClr>
+          </a:solidFill>
+          <a:prstDash val="solid"/>
+          <a:miter lim="800000"/>
+        </a:ln>
+        <a:effectLst/>
+      </dsp:spPr>
+      <dsp:style>
+        <a:lnRef idx="2">
+          <a:scrgbClr r="0" g="0" b="0"/>
+        </a:lnRef>
+        <a:fillRef idx="1">
+          <a:scrgbClr r="0" g="0" b="0"/>
+        </a:fillRef>
+        <a:effectRef idx="0">
+          <a:scrgbClr r="0" g="0" b="0"/>
+        </a:effectRef>
+        <a:fontRef idx="minor">
+          <a:schemeClr val="lt1"/>
+        </a:fontRef>
+      </dsp:style>
+      <dsp:txBody>
+        <a:bodyPr spcFirstLastPara="0" vert="horz" wrap="square" lIns="91440" tIns="91440" rIns="91440" bIns="91440" numCol="1" spcCol="1270" anchor="ctr" anchorCtr="0">
+          <a:noAutofit/>
+        </a:bodyPr>
+        <a:lstStyle/>
+        <a:p>
+          <a:pPr marL="0" lvl="0" indent="0" algn="l" defTabSz="1066800">
+            <a:lnSpc>
+              <a:spcPct val="90000"/>
+            </a:lnSpc>
+            <a:spcBef>
+              <a:spcPct val="0"/>
+            </a:spcBef>
+            <a:spcAft>
+              <a:spcPct val="35000"/>
+            </a:spcAft>
+            <a:buNone/>
+          </a:pPr>
+          <a:r>
+            <a:rPr lang="en-GB" sz="2400" kern="1200"/>
+            <a:t>Website-Design fertiggestellt (Soll: 1.5.2022)</a:t>
+          </a:r>
+          <a:endParaRPr lang="de-AT" sz="2400" kern="1200"/>
+        </a:p>
+      </dsp:txBody>
+      <dsp:txXfrm>
+        <a:off x="28100" y="881384"/>
+        <a:ext cx="6422624" cy="519439"/>
+      </dsp:txXfrm>
+    </dsp:sp>
+    <dsp:sp modelId="{13DA096F-B2B4-404F-9866-A9DA00B860C0}">
+      <dsp:nvSpPr>
+        <dsp:cNvPr id="0" name=""/>
+        <dsp:cNvSpPr/>
+      </dsp:nvSpPr>
+      <dsp:spPr>
+        <a:xfrm>
+          <a:off x="0" y="1498044"/>
+          <a:ext cx="6478824" cy="575639"/>
+        </a:xfrm>
+        <a:prstGeom prst="roundRect">
+          <a:avLst/>
+        </a:prstGeom>
+        <a:solidFill>
+          <a:schemeClr val="accent1">
+            <a:hueOff val="0"/>
+            <a:satOff val="0"/>
+            <a:lumOff val="0"/>
+            <a:alphaOff val="0"/>
+          </a:schemeClr>
+        </a:solidFill>
+        <a:ln w="12700" cap="flat" cmpd="sng" algn="ctr">
+          <a:solidFill>
+            <a:schemeClr val="lt1">
+              <a:hueOff val="0"/>
+              <a:satOff val="0"/>
+              <a:lumOff val="0"/>
+              <a:alphaOff val="0"/>
+            </a:schemeClr>
+          </a:solidFill>
+          <a:prstDash val="solid"/>
+          <a:miter lim="800000"/>
+        </a:ln>
+        <a:effectLst/>
+      </dsp:spPr>
+      <dsp:style>
+        <a:lnRef idx="2">
+          <a:scrgbClr r="0" g="0" b="0"/>
+        </a:lnRef>
+        <a:fillRef idx="1">
+          <a:scrgbClr r="0" g="0" b="0"/>
+        </a:fillRef>
+        <a:effectRef idx="0">
+          <a:scrgbClr r="0" g="0" b="0"/>
+        </a:effectRef>
+        <a:fontRef idx="minor">
+          <a:schemeClr val="lt1"/>
+        </a:fontRef>
+      </dsp:style>
+      <dsp:txBody>
+        <a:bodyPr spcFirstLastPara="0" vert="horz" wrap="square" lIns="91440" tIns="91440" rIns="91440" bIns="91440" numCol="1" spcCol="1270" anchor="ctr" anchorCtr="0">
+          <a:noAutofit/>
+        </a:bodyPr>
+        <a:lstStyle/>
+        <a:p>
+          <a:pPr marL="0" lvl="0" indent="0" algn="l" defTabSz="1066800">
+            <a:lnSpc>
+              <a:spcPct val="90000"/>
+            </a:lnSpc>
+            <a:spcBef>
+              <a:spcPct val="0"/>
+            </a:spcBef>
+            <a:spcAft>
+              <a:spcPct val="35000"/>
+            </a:spcAft>
+            <a:buNone/>
+          </a:pPr>
+          <a:r>
+            <a:rPr lang="en-GB" sz="2400" kern="1200"/>
+            <a:t>API-Integration fertiggestellt (Soll: 5.5.2022)</a:t>
+          </a:r>
+          <a:endParaRPr lang="de-AT" sz="2400" kern="1200"/>
+        </a:p>
+      </dsp:txBody>
+      <dsp:txXfrm>
+        <a:off x="28100" y="1526144"/>
+        <a:ext cx="6422624" cy="519439"/>
+      </dsp:txXfrm>
+    </dsp:sp>
+    <dsp:sp modelId="{32653C0A-190B-4944-8207-F70F4B3BB777}">
+      <dsp:nvSpPr>
+        <dsp:cNvPr id="0" name=""/>
+        <dsp:cNvSpPr/>
+      </dsp:nvSpPr>
+      <dsp:spPr>
+        <a:xfrm>
+          <a:off x="0" y="2142804"/>
+          <a:ext cx="6478824" cy="575639"/>
+        </a:xfrm>
+        <a:prstGeom prst="roundRect">
+          <a:avLst/>
+        </a:prstGeom>
+        <a:solidFill>
+          <a:schemeClr val="accent1">
+            <a:hueOff val="0"/>
+            <a:satOff val="0"/>
+            <a:lumOff val="0"/>
+            <a:alphaOff val="0"/>
+          </a:schemeClr>
+        </a:solidFill>
+        <a:ln w="12700" cap="flat" cmpd="sng" algn="ctr">
+          <a:solidFill>
+            <a:schemeClr val="lt1">
+              <a:hueOff val="0"/>
+              <a:satOff val="0"/>
+              <a:lumOff val="0"/>
+              <a:alphaOff val="0"/>
+            </a:schemeClr>
+          </a:solidFill>
+          <a:prstDash val="solid"/>
+          <a:miter lim="800000"/>
+        </a:ln>
+        <a:effectLst/>
+      </dsp:spPr>
+      <dsp:style>
+        <a:lnRef idx="2">
+          <a:scrgbClr r="0" g="0" b="0"/>
+        </a:lnRef>
+        <a:fillRef idx="1">
+          <a:scrgbClr r="0" g="0" b="0"/>
+        </a:fillRef>
+        <a:effectRef idx="0">
+          <a:scrgbClr r="0" g="0" b="0"/>
+        </a:effectRef>
+        <a:fontRef idx="minor">
+          <a:schemeClr val="lt1"/>
+        </a:fontRef>
+      </dsp:style>
+      <dsp:txBody>
+        <a:bodyPr spcFirstLastPara="0" vert="horz" wrap="square" lIns="91440" tIns="91440" rIns="91440" bIns="91440" numCol="1" spcCol="1270" anchor="ctr" anchorCtr="0">
+          <a:noAutofit/>
+        </a:bodyPr>
+        <a:lstStyle/>
+        <a:p>
+          <a:pPr marL="0" lvl="0" indent="0" algn="l" defTabSz="1066800">
+            <a:lnSpc>
+              <a:spcPct val="90000"/>
+            </a:lnSpc>
+            <a:spcBef>
+              <a:spcPct val="0"/>
+            </a:spcBef>
+            <a:spcAft>
+              <a:spcPct val="35000"/>
+            </a:spcAft>
+            <a:buNone/>
+          </a:pPr>
+          <a:r>
+            <a:rPr lang="en-GB" sz="2400" kern="1200"/>
+            <a:t>Datenbank Implementiert (Soll: 1.4.2022)</a:t>
+          </a:r>
+          <a:endParaRPr lang="de-AT" sz="2400" kern="1200"/>
+        </a:p>
+      </dsp:txBody>
+      <dsp:txXfrm>
+        <a:off x="28100" y="2170904"/>
+        <a:ext cx="6422624" cy="519439"/>
+      </dsp:txXfrm>
+    </dsp:sp>
+    <dsp:sp modelId="{2B0DB18C-275D-45D9-871A-478CE6A0C15A}">
+      <dsp:nvSpPr>
+        <dsp:cNvPr id="0" name=""/>
+        <dsp:cNvSpPr/>
+      </dsp:nvSpPr>
+      <dsp:spPr>
+        <a:xfrm>
+          <a:off x="0" y="2787564"/>
+          <a:ext cx="6478824" cy="575639"/>
+        </a:xfrm>
+        <a:prstGeom prst="roundRect">
+          <a:avLst/>
+        </a:prstGeom>
+        <a:solidFill>
+          <a:schemeClr val="accent1">
+            <a:hueOff val="0"/>
+            <a:satOff val="0"/>
+            <a:lumOff val="0"/>
+            <a:alphaOff val="0"/>
+          </a:schemeClr>
+        </a:solidFill>
+        <a:ln w="12700" cap="flat" cmpd="sng" algn="ctr">
+          <a:solidFill>
+            <a:schemeClr val="lt1">
+              <a:hueOff val="0"/>
+              <a:satOff val="0"/>
+              <a:lumOff val="0"/>
+              <a:alphaOff val="0"/>
+            </a:schemeClr>
+          </a:solidFill>
+          <a:prstDash val="solid"/>
+          <a:miter lim="800000"/>
+        </a:ln>
+        <a:effectLst/>
+      </dsp:spPr>
+      <dsp:style>
+        <a:lnRef idx="2">
+          <a:scrgbClr r="0" g="0" b="0"/>
+        </a:lnRef>
+        <a:fillRef idx="1">
+          <a:scrgbClr r="0" g="0" b="0"/>
+        </a:fillRef>
+        <a:effectRef idx="0">
+          <a:scrgbClr r="0" g="0" b="0"/>
+        </a:effectRef>
+        <a:fontRef idx="minor">
+          <a:schemeClr val="lt1"/>
+        </a:fontRef>
+      </dsp:style>
+      <dsp:txBody>
+        <a:bodyPr spcFirstLastPara="0" vert="horz" wrap="square" lIns="91440" tIns="91440" rIns="91440" bIns="91440" numCol="1" spcCol="1270" anchor="ctr" anchorCtr="0">
+          <a:noAutofit/>
+        </a:bodyPr>
+        <a:lstStyle/>
+        <a:p>
+          <a:pPr marL="0" lvl="0" indent="0" algn="l" defTabSz="1066800">
+            <a:lnSpc>
+              <a:spcPct val="90000"/>
+            </a:lnSpc>
+            <a:spcBef>
+              <a:spcPct val="0"/>
+            </a:spcBef>
+            <a:spcAft>
+              <a:spcPct val="35000"/>
+            </a:spcAft>
+            <a:buNone/>
+          </a:pPr>
+          <a:r>
+            <a:rPr lang="en-GB" sz="2400" kern="1200"/>
+            <a:t>API-Anfragen Handling integriert (Soll: 20.4.2022)</a:t>
+          </a:r>
+          <a:endParaRPr lang="de-AT" sz="2400" kern="1200"/>
+        </a:p>
+      </dsp:txBody>
+      <dsp:txXfrm>
+        <a:off x="28100" y="2815664"/>
+        <a:ext cx="6422624" cy="519439"/>
+      </dsp:txXfrm>
+    </dsp:sp>
+    <dsp:sp modelId="{D603BD1C-0FFB-4D92-A736-CD410DAD87C4}">
+      <dsp:nvSpPr>
+        <dsp:cNvPr id="0" name=""/>
+        <dsp:cNvSpPr/>
+      </dsp:nvSpPr>
+      <dsp:spPr>
+        <a:xfrm>
+          <a:off x="0" y="3432324"/>
+          <a:ext cx="6478824" cy="575639"/>
+        </a:xfrm>
+        <a:prstGeom prst="roundRect">
+          <a:avLst/>
+        </a:prstGeom>
+        <a:solidFill>
+          <a:schemeClr val="accent1">
+            <a:hueOff val="0"/>
+            <a:satOff val="0"/>
+            <a:lumOff val="0"/>
+            <a:alphaOff val="0"/>
+          </a:schemeClr>
+        </a:solidFill>
+        <a:ln w="12700" cap="flat" cmpd="sng" algn="ctr">
+          <a:solidFill>
+            <a:schemeClr val="lt1">
+              <a:hueOff val="0"/>
+              <a:satOff val="0"/>
+              <a:lumOff val="0"/>
+              <a:alphaOff val="0"/>
+            </a:schemeClr>
+          </a:solidFill>
+          <a:prstDash val="solid"/>
+          <a:miter lim="800000"/>
+        </a:ln>
+        <a:effectLst/>
+      </dsp:spPr>
+      <dsp:style>
+        <a:lnRef idx="2">
+          <a:scrgbClr r="0" g="0" b="0"/>
+        </a:lnRef>
+        <a:fillRef idx="1">
+          <a:scrgbClr r="0" g="0" b="0"/>
+        </a:fillRef>
+        <a:effectRef idx="0">
+          <a:scrgbClr r="0" g="0" b="0"/>
+        </a:effectRef>
+        <a:fontRef idx="minor">
+          <a:schemeClr val="lt1"/>
+        </a:fontRef>
+      </dsp:style>
+      <dsp:txBody>
+        <a:bodyPr spcFirstLastPara="0" vert="horz" wrap="square" lIns="91440" tIns="91440" rIns="91440" bIns="91440" numCol="1" spcCol="1270" anchor="ctr" anchorCtr="0">
+          <a:noAutofit/>
+        </a:bodyPr>
+        <a:lstStyle/>
+        <a:p>
+          <a:pPr marL="0" lvl="0" indent="0" algn="l" defTabSz="1066800">
+            <a:lnSpc>
+              <a:spcPct val="90000"/>
+            </a:lnSpc>
+            <a:spcBef>
+              <a:spcPct val="0"/>
+            </a:spcBef>
+            <a:spcAft>
+              <a:spcPct val="35000"/>
+            </a:spcAft>
+            <a:buNone/>
+          </a:pPr>
+          <a:r>
+            <a:rPr lang="en-GB" sz="2400" kern="1200"/>
+            <a:t>Projekt abgeschlossen (7.6.2022)</a:t>
+          </a:r>
+          <a:endParaRPr lang="de-AT" sz="2400" kern="1200"/>
+        </a:p>
+      </dsp:txBody>
+      <dsp:txXfrm>
+        <a:off x="28100" y="3460424"/>
+        <a:ext cx="6422624" cy="519439"/>
+      </dsp:txXfrm>
+    </dsp:sp>
+  </dsp:spTree>
+</dsp:drawing>
+</file>
+
+<file path=ppt/diagrams/drawing5.xml><?xml version="1.0" encoding="utf-8"?>
+<dsp:drawing xmlns:dgm="http://schemas.openxmlformats.org/drawingml/2006/diagram" xmlns:dsp="http://schemas.microsoft.com/office/drawing/2008/diagram" xmlns:a="http://schemas.openxmlformats.org/drawingml/2006/main">
+  <dsp:spTree>
+    <dsp:nvGrpSpPr>
+      <dsp:cNvPr id="0" name=""/>
+      <dsp:cNvGrpSpPr/>
+    </dsp:nvGrpSpPr>
+    <dsp:grpSpPr/>
     <dsp:sp modelId="{FC876D71-8C47-4B39-8132-5DD63DCC25A1}">
       <dsp:nvSpPr>
         <dsp:cNvPr id="0" name=""/>
@@ -10019,6 +11475,173 @@
 </file>
 
 <file path=ppt/diagrams/layout4.xml><?xml version="1.0" encoding="utf-8"?>
+<dgm:layoutDef xmlns:dgm="http://schemas.openxmlformats.org/drawingml/2006/diagram" xmlns:a="http://schemas.openxmlformats.org/drawingml/2006/main" uniqueId="urn:microsoft.com/office/officeart/2005/8/layout/vList2">
+  <dgm:title val=""/>
+  <dgm:desc val=""/>
+  <dgm:catLst>
+    <dgm:cat type="list" pri="3000"/>
+    <dgm:cat type="convert" pri="1000"/>
+  </dgm:catLst>
+  <dgm:sampData>
+    <dgm:dataModel>
+      <dgm:ptLst>
+        <dgm:pt modelId="0" type="doc"/>
+        <dgm:pt modelId="1">
+          <dgm:prSet phldr="1"/>
+        </dgm:pt>
+        <dgm:pt modelId="11">
+          <dgm:prSet phldr="1"/>
+        </dgm:pt>
+        <dgm:pt modelId="2">
+          <dgm:prSet phldr="1"/>
+        </dgm:pt>
+        <dgm:pt modelId="21">
+          <dgm:prSet phldr="1"/>
+        </dgm:pt>
+      </dgm:ptLst>
+      <dgm:cxnLst>
+        <dgm:cxn modelId="4" srcId="0" destId="1" srcOrd="0" destOrd="0"/>
+        <dgm:cxn modelId="5" srcId="0" destId="2" srcOrd="1" destOrd="0"/>
+        <dgm:cxn modelId="12" srcId="1" destId="11" srcOrd="0" destOrd="0"/>
+        <dgm:cxn modelId="23" srcId="2" destId="21" srcOrd="0" destOrd="0"/>
+      </dgm:cxnLst>
+      <dgm:bg/>
+      <dgm:whole/>
+    </dgm:dataModel>
+  </dgm:sampData>
+  <dgm:styleData>
+    <dgm:dataModel>
+      <dgm:ptLst>
+        <dgm:pt modelId="0" type="doc"/>
+        <dgm:pt modelId="1"/>
+        <dgm:pt modelId="2"/>
+      </dgm:ptLst>
+      <dgm:cxnLst>
+        <dgm:cxn modelId="3" srcId="0" destId="1" srcOrd="0" destOrd="0"/>
+        <dgm:cxn modelId="4" srcId="0" destId="2" srcOrd="1" destOrd="0"/>
+      </dgm:cxnLst>
+      <dgm:bg/>
+      <dgm:whole/>
+    </dgm:dataModel>
+  </dgm:styleData>
+  <dgm:clrData>
+    <dgm:dataModel>
+      <dgm:ptLst>
+        <dgm:pt modelId="0" type="doc"/>
+        <dgm:pt modelId="1"/>
+        <dgm:pt modelId="2"/>
+        <dgm:pt modelId="3"/>
+        <dgm:pt modelId="4"/>
+      </dgm:ptLst>
+      <dgm:cxnLst>
+        <dgm:cxn modelId="5" srcId="0" destId="1" srcOrd="0" destOrd="0"/>
+        <dgm:cxn modelId="6" srcId="0" destId="2" srcOrd="1" destOrd="0"/>
+        <dgm:cxn modelId="7" srcId="0" destId="3" srcOrd="2" destOrd="0"/>
+        <dgm:cxn modelId="8" srcId="0" destId="4" srcOrd="3" destOrd="0"/>
+      </dgm:cxnLst>
+      <dgm:bg/>
+      <dgm:whole/>
+    </dgm:dataModel>
+  </dgm:clrData>
+  <dgm:layoutNode name="linear">
+    <dgm:varLst>
+      <dgm:animLvl val="lvl"/>
+      <dgm:resizeHandles val="exact"/>
+    </dgm:varLst>
+    <dgm:alg type="lin">
+      <dgm:param type="linDir" val="fromT"/>
+      <dgm:param type="vertAlign" val="mid"/>
+    </dgm:alg>
+    <dgm:shape xmlns:r="http://schemas.openxmlformats.org/officeDocument/2006/relationships" r:blip="">
+      <dgm:adjLst/>
+    </dgm:shape>
+    <dgm:presOf/>
+    <dgm:constrLst>
+      <dgm:constr type="w" for="ch" forName="parentText" refType="w"/>
+      <dgm:constr type="h" for="ch" forName="parentText" refType="primFontSz" refFor="ch" refForName="parentText" fact="0.52"/>
+      <dgm:constr type="w" for="ch" forName="childText" refType="w"/>
+      <dgm:constr type="h" for="ch" forName="childText" refType="primFontSz" refFor="ch" refForName="parentText" fact="0.46"/>
+      <dgm:constr type="h" for="ch" forName="parentText" op="equ"/>
+      <dgm:constr type="primFontSz" for="ch" forName="parentText" op="equ" val="65"/>
+      <dgm:constr type="primFontSz" for="ch" forName="childText" refType="primFontSz" refFor="ch" refForName="parentText" op="equ"/>
+      <dgm:constr type="h" for="ch" forName="spacer" refType="primFontSz" refFor="ch" refForName="parentText" fact="0.08"/>
+    </dgm:constrLst>
+    <dgm:ruleLst>
+      <dgm:rule type="primFontSz" for="ch" forName="parentText" val="5" fact="NaN" max="NaN"/>
+    </dgm:ruleLst>
+    <dgm:forEach name="Name0" axis="ch" ptType="node">
+      <dgm:layoutNode name="parentText" styleLbl="node1">
+        <dgm:varLst>
+          <dgm:chMax val="0"/>
+          <dgm:bulletEnabled val="1"/>
+        </dgm:varLst>
+        <dgm:alg type="tx">
+          <dgm:param type="parTxLTRAlign" val="l"/>
+          <dgm:param type="parTxRTLAlign" val="r"/>
+        </dgm:alg>
+        <dgm:shape xmlns:r="http://schemas.openxmlformats.org/officeDocument/2006/relationships" type="roundRect" r:blip="">
+          <dgm:adjLst/>
+        </dgm:shape>
+        <dgm:presOf axis="self"/>
+        <dgm:constrLst>
+          <dgm:constr type="tMarg" refType="primFontSz" fact="0.3"/>
+          <dgm:constr type="bMarg" refType="primFontSz" fact="0.3"/>
+          <dgm:constr type="lMarg" refType="primFontSz" fact="0.3"/>
+          <dgm:constr type="rMarg" refType="primFontSz" fact="0.3"/>
+        </dgm:constrLst>
+        <dgm:ruleLst>
+          <dgm:rule type="h" val="INF" fact="NaN" max="NaN"/>
+        </dgm:ruleLst>
+      </dgm:layoutNode>
+      <dgm:choose name="Name1">
+        <dgm:if name="Name2" axis="ch" ptType="node" func="cnt" op="gte" val="1">
+          <dgm:layoutNode name="childText" styleLbl="revTx">
+            <dgm:varLst>
+              <dgm:bulletEnabled val="1"/>
+            </dgm:varLst>
+            <dgm:alg type="tx">
+              <dgm:param type="stBulletLvl" val="1"/>
+              <dgm:param type="lnSpAfChP" val="20"/>
+            </dgm:alg>
+            <dgm:shape xmlns:r="http://schemas.openxmlformats.org/officeDocument/2006/relationships" type="rect" r:blip="">
+              <dgm:adjLst/>
+            </dgm:shape>
+            <dgm:presOf axis="des" ptType="node"/>
+            <dgm:constrLst>
+              <dgm:constr type="tMarg" refType="primFontSz" fact="0.1"/>
+              <dgm:constr type="bMarg" refType="primFontSz" fact="0.1"/>
+              <dgm:constr type="lMarg" refType="w" fact="0.09"/>
+            </dgm:constrLst>
+            <dgm:ruleLst>
+              <dgm:rule type="h" val="INF" fact="NaN" max="NaN"/>
+            </dgm:ruleLst>
+          </dgm:layoutNode>
+        </dgm:if>
+        <dgm:else name="Name3">
+          <dgm:choose name="Name4">
+            <dgm:if name="Name5" axis="par ch" ptType="doc node" func="cnt" op="gte" val="2">
+              <dgm:forEach name="Name6" axis="followSib" ptType="sibTrans" cnt="1">
+                <dgm:layoutNode name="spacer">
+                  <dgm:alg type="sp"/>
+                  <dgm:shape xmlns:r="http://schemas.openxmlformats.org/officeDocument/2006/relationships" r:blip="">
+                    <dgm:adjLst/>
+                  </dgm:shape>
+                  <dgm:presOf/>
+                  <dgm:constrLst/>
+                  <dgm:ruleLst/>
+                </dgm:layoutNode>
+              </dgm:forEach>
+            </dgm:if>
+            <dgm:else name="Name7"/>
+          </dgm:choose>
+        </dgm:else>
+      </dgm:choose>
+    </dgm:forEach>
+  </dgm:layoutNode>
+</dgm:layoutDef>
+</file>
+
+<file path=ppt/diagrams/layout5.xml><?xml version="1.0" encoding="utf-8"?>
 <dgm:layoutDef xmlns:dgm="http://schemas.openxmlformats.org/drawingml/2006/diagram" xmlns:a="http://schemas.openxmlformats.org/drawingml/2006/main" uniqueId="urn:microsoft.com/office/officeart/2005/8/layout/vList5">
   <dgm:title val=""/>
   <dgm:desc val=""/>
@@ -14387,6 +16010,1040 @@
 </dgm:styleDef>
 </file>
 
+<file path=ppt/diagrams/quickStyle5.xml><?xml version="1.0" encoding="utf-8"?>
+<dgm:styleDef xmlns:dgm="http://schemas.openxmlformats.org/drawingml/2006/diagram" xmlns:a="http://schemas.openxmlformats.org/drawingml/2006/main" uniqueId="urn:microsoft.com/office/officeart/2005/8/quickstyle/simple1">
+  <dgm:title val=""/>
+  <dgm:desc val=""/>
+  <dgm:catLst>
+    <dgm:cat type="simple" pri="10100"/>
+  </dgm:catLst>
+  <dgm:scene3d>
+    <a:camera prst="orthographicFront"/>
+    <a:lightRig rig="threePt" dir="t"/>
+  </dgm:scene3d>
+  <dgm:styleLbl name="node0">
+    <dgm:scene3d>
+      <a:camera prst="orthographicFront"/>
+      <a:lightRig rig="threePt" dir="t"/>
+    </dgm:scene3d>
+    <dgm:sp3d/>
+    <dgm:txPr/>
+    <dgm:style>
+      <a:lnRef idx="2">
+        <a:scrgbClr r="0" g="0" b="0"/>
+      </a:lnRef>
+      <a:fillRef idx="1">
+        <a:scrgbClr r="0" g="0" b="0"/>
+      </a:fillRef>
+      <a:effectRef idx="0">
+        <a:scrgbClr r="0" g="0" b="0"/>
+      </a:effectRef>
+      <a:fontRef idx="minor">
+        <a:schemeClr val="lt1"/>
+      </a:fontRef>
+    </dgm:style>
+  </dgm:styleLbl>
+  <dgm:styleLbl name="lnNode1">
+    <dgm:scene3d>
+      <a:camera prst="orthographicFront"/>
+      <a:lightRig rig="threePt" dir="t"/>
+    </dgm:scene3d>
+    <dgm:sp3d/>
+    <dgm:txPr/>
+    <dgm:style>
+      <a:lnRef idx="2">
+        <a:scrgbClr r="0" g="0" b="0"/>
+      </a:lnRef>
+      <a:fillRef idx="1">
+        <a:scrgbClr r="0" g="0" b="0"/>
+      </a:fillRef>
+      <a:effectRef idx="0">
+        <a:scrgbClr r="0" g="0" b="0"/>
+      </a:effectRef>
+      <a:fontRef idx="minor">
+        <a:schemeClr val="lt1"/>
+      </a:fontRef>
+    </dgm:style>
+  </dgm:styleLbl>
+  <dgm:styleLbl name="vennNode1">
+    <dgm:scene3d>
+      <a:camera prst="orthographicFront"/>
+      <a:lightRig rig="threePt" dir="t"/>
+    </dgm:scene3d>
+    <dgm:sp3d/>
+    <dgm:txPr/>
+    <dgm:style>
+      <a:lnRef idx="2">
+        <a:scrgbClr r="0" g="0" b="0"/>
+      </a:lnRef>
+      <a:fillRef idx="1">
+        <a:scrgbClr r="0" g="0" b="0"/>
+      </a:fillRef>
+      <a:effectRef idx="0">
+        <a:scrgbClr r="0" g="0" b="0"/>
+      </a:effectRef>
+      <a:fontRef idx="minor">
+        <a:schemeClr val="tx1"/>
+      </a:fontRef>
+    </dgm:style>
+  </dgm:styleLbl>
+  <dgm:styleLbl name="alignNode1">
+    <dgm:scene3d>
+      <a:camera prst="orthographicFront"/>
+      <a:lightRig rig="threePt" dir="t"/>
+    </dgm:scene3d>
+    <dgm:sp3d/>
+    <dgm:txPr/>
+    <dgm:style>
+      <a:lnRef idx="2">
+        <a:scrgbClr r="0" g="0" b="0"/>
+      </a:lnRef>
+      <a:fillRef idx="1">
+        <a:scrgbClr r="0" g="0" b="0"/>
+      </a:fillRef>
+      <a:effectRef idx="0">
+        <a:scrgbClr r="0" g="0" b="0"/>
+      </a:effectRef>
+      <a:fontRef idx="minor">
+        <a:schemeClr val="lt1"/>
+      </a:fontRef>
+    </dgm:style>
+  </dgm:styleLbl>
+  <dgm:styleLbl name="node1">
+    <dgm:scene3d>
+      <a:camera prst="orthographicFront"/>
+      <a:lightRig rig="threePt" dir="t"/>
+    </dgm:scene3d>
+    <dgm:sp3d/>
+    <dgm:txPr/>
+    <dgm:style>
+      <a:lnRef idx="2">
+        <a:scrgbClr r="0" g="0" b="0"/>
+      </a:lnRef>
+      <a:fillRef idx="1">
+        <a:scrgbClr r="0" g="0" b="0"/>
+      </a:fillRef>
+      <a:effectRef idx="0">
+        <a:scrgbClr r="0" g="0" b="0"/>
+      </a:effectRef>
+      <a:fontRef idx="minor">
+        <a:schemeClr val="lt1"/>
+      </a:fontRef>
+    </dgm:style>
+  </dgm:styleLbl>
+  <dgm:styleLbl name="node2">
+    <dgm:scene3d>
+      <a:camera prst="orthographicFront"/>
+      <a:lightRig rig="threePt" dir="t"/>
+    </dgm:scene3d>
+    <dgm:sp3d/>
+    <dgm:txPr/>
+    <dgm:style>
+      <a:lnRef idx="2">
+        <a:scrgbClr r="0" g="0" b="0"/>
+      </a:lnRef>
+      <a:fillRef idx="1">
+        <a:scrgbClr r="0" g="0" b="0"/>
+      </a:fillRef>
+      <a:effectRef idx="0">
+        <a:scrgbClr r="0" g="0" b="0"/>
+      </a:effectRef>
+      <a:fontRef idx="minor">
+        <a:schemeClr val="lt1"/>
+      </a:fontRef>
+    </dgm:style>
+  </dgm:styleLbl>
+  <dgm:styleLbl name="node3">
+    <dgm:scene3d>
+      <a:camera prst="orthographicFront"/>
+      <a:lightRig rig="threePt" dir="t"/>
+    </dgm:scene3d>
+    <dgm:sp3d/>
+    <dgm:txPr/>
+    <dgm:style>
+      <a:lnRef idx="2">
+        <a:scrgbClr r="0" g="0" b="0"/>
+      </a:lnRef>
+      <a:fillRef idx="1">
+        <a:scrgbClr r="0" g="0" b="0"/>
+      </a:fillRef>
+      <a:effectRef idx="0">
+        <a:scrgbClr r="0" g="0" b="0"/>
+      </a:effectRef>
+      <a:fontRef idx="minor">
+        <a:schemeClr val="lt1"/>
+      </a:fontRef>
+    </dgm:style>
+  </dgm:styleLbl>
+  <dgm:styleLbl name="node4">
+    <dgm:scene3d>
+      <a:camera prst="orthographicFront"/>
+      <a:lightRig rig="threePt" dir="t"/>
+    </dgm:scene3d>
+    <dgm:sp3d/>
+    <dgm:txPr/>
+    <dgm:style>
+      <a:lnRef idx="2">
+        <a:scrgbClr r="0" g="0" b="0"/>
+      </a:lnRef>
+      <a:fillRef idx="1">
+        <a:scrgbClr r="0" g="0" b="0"/>
+      </a:fillRef>
+      <a:effectRef idx="0">
+        <a:scrgbClr r="0" g="0" b="0"/>
+      </a:effectRef>
+      <a:fontRef idx="minor">
+        <a:schemeClr val="lt1"/>
+      </a:fontRef>
+    </dgm:style>
+  </dgm:styleLbl>
+  <dgm:styleLbl name="fgImgPlace1">
+    <dgm:scene3d>
+      <a:camera prst="orthographicFront"/>
+      <a:lightRig rig="threePt" dir="t"/>
+    </dgm:scene3d>
+    <dgm:sp3d/>
+    <dgm:txPr/>
+    <dgm:style>
+      <a:lnRef idx="2">
+        <a:scrgbClr r="0" g="0" b="0"/>
+      </a:lnRef>
+      <a:fillRef idx="1">
+        <a:scrgbClr r="0" g="0" b="0"/>
+      </a:fillRef>
+      <a:effectRef idx="0">
+        <a:scrgbClr r="0" g="0" b="0"/>
+      </a:effectRef>
+      <a:fontRef idx="minor"/>
+    </dgm:style>
+  </dgm:styleLbl>
+  <dgm:styleLbl name="alignImgPlace1">
+    <dgm:scene3d>
+      <a:camera prst="orthographicFront"/>
+      <a:lightRig rig="threePt" dir="t"/>
+    </dgm:scene3d>
+    <dgm:sp3d/>
+    <dgm:txPr/>
+    <dgm:style>
+      <a:lnRef idx="2">
+        <a:scrgbClr r="0" g="0" b="0"/>
+      </a:lnRef>
+      <a:fillRef idx="1">
+        <a:scrgbClr r="0" g="0" b="0"/>
+      </a:fillRef>
+      <a:effectRef idx="0">
+        <a:scrgbClr r="0" g="0" b="0"/>
+      </a:effectRef>
+      <a:fontRef idx="minor"/>
+    </dgm:style>
+  </dgm:styleLbl>
+  <dgm:styleLbl name="bgImgPlace1">
+    <dgm:scene3d>
+      <a:camera prst="orthographicFront"/>
+      <a:lightRig rig="threePt" dir="t"/>
+    </dgm:scene3d>
+    <dgm:sp3d/>
+    <dgm:txPr/>
+    <dgm:style>
+      <a:lnRef idx="2">
+        <a:scrgbClr r="0" g="0" b="0"/>
+      </a:lnRef>
+      <a:fillRef idx="1">
+        <a:scrgbClr r="0" g="0" b="0"/>
+      </a:fillRef>
+      <a:effectRef idx="0">
+        <a:scrgbClr r="0" g="0" b="0"/>
+      </a:effectRef>
+      <a:fontRef idx="minor"/>
+    </dgm:style>
+  </dgm:styleLbl>
+  <dgm:styleLbl name="sibTrans2D1">
+    <dgm:scene3d>
+      <a:camera prst="orthographicFront"/>
+      <a:lightRig rig="threePt" dir="t"/>
+    </dgm:scene3d>
+    <dgm:sp3d/>
+    <dgm:txPr/>
+    <dgm:style>
+      <a:lnRef idx="0">
+        <a:scrgbClr r="0" g="0" b="0"/>
+      </a:lnRef>
+      <a:fillRef idx="1">
+        <a:scrgbClr r="0" g="0" b="0"/>
+      </a:fillRef>
+      <a:effectRef idx="0">
+        <a:scrgbClr r="0" g="0" b="0"/>
+      </a:effectRef>
+      <a:fontRef idx="minor">
+        <a:schemeClr val="lt1"/>
+      </a:fontRef>
+    </dgm:style>
+  </dgm:styleLbl>
+  <dgm:styleLbl name="fgSibTrans2D1">
+    <dgm:scene3d>
+      <a:camera prst="orthographicFront"/>
+      <a:lightRig rig="threePt" dir="t"/>
+    </dgm:scene3d>
+    <dgm:sp3d/>
+    <dgm:txPr/>
+    <dgm:style>
+      <a:lnRef idx="0">
+        <a:scrgbClr r="0" g="0" b="0"/>
+      </a:lnRef>
+      <a:fillRef idx="1">
+        <a:scrgbClr r="0" g="0" b="0"/>
+      </a:fillRef>
+      <a:effectRef idx="0">
+        <a:scrgbClr r="0" g="0" b="0"/>
+      </a:effectRef>
+      <a:fontRef idx="minor">
+        <a:schemeClr val="lt1"/>
+      </a:fontRef>
+    </dgm:style>
+  </dgm:styleLbl>
+  <dgm:styleLbl name="bgSibTrans2D1">
+    <dgm:scene3d>
+      <a:camera prst="orthographicFront"/>
+      <a:lightRig rig="threePt" dir="t"/>
+    </dgm:scene3d>
+    <dgm:sp3d/>
+    <dgm:txPr/>
+    <dgm:style>
+      <a:lnRef idx="0">
+        <a:scrgbClr r="0" g="0" b="0"/>
+      </a:lnRef>
+      <a:fillRef idx="1">
+        <a:scrgbClr r="0" g="0" b="0"/>
+      </a:fillRef>
+      <a:effectRef idx="0">
+        <a:scrgbClr r="0" g="0" b="0"/>
+      </a:effectRef>
+      <a:fontRef idx="minor">
+        <a:schemeClr val="lt1"/>
+      </a:fontRef>
+    </dgm:style>
+  </dgm:styleLbl>
+  <dgm:styleLbl name="sibTrans1D1">
+    <dgm:scene3d>
+      <a:camera prst="orthographicFront"/>
+      <a:lightRig rig="threePt" dir="t"/>
+    </dgm:scene3d>
+    <dgm:sp3d/>
+    <dgm:txPr/>
+    <dgm:style>
+      <a:lnRef idx="1">
+        <a:scrgbClr r="0" g="0" b="0"/>
+      </a:lnRef>
+      <a:fillRef idx="0">
+        <a:scrgbClr r="0" g="0" b="0"/>
+      </a:fillRef>
+      <a:effectRef idx="0">
+        <a:scrgbClr r="0" g="0" b="0"/>
+      </a:effectRef>
+      <a:fontRef idx="minor"/>
+    </dgm:style>
+  </dgm:styleLbl>
+  <dgm:styleLbl name="callout">
+    <dgm:scene3d>
+      <a:camera prst="orthographicFront"/>
+      <a:lightRig rig="threePt" dir="t"/>
+    </dgm:scene3d>
+    <dgm:sp3d/>
+    <dgm:txPr/>
+    <dgm:style>
+      <a:lnRef idx="2">
+        <a:scrgbClr r="0" g="0" b="0"/>
+      </a:lnRef>
+      <a:fillRef idx="1">
+        <a:scrgbClr r="0" g="0" b="0"/>
+      </a:fillRef>
+      <a:effectRef idx="0">
+        <a:scrgbClr r="0" g="0" b="0"/>
+      </a:effectRef>
+      <a:fontRef idx="minor"/>
+    </dgm:style>
+  </dgm:styleLbl>
+  <dgm:styleLbl name="asst0">
+    <dgm:scene3d>
+      <a:camera prst="orthographicFront"/>
+      <a:lightRig rig="threePt" dir="t"/>
+    </dgm:scene3d>
+    <dgm:sp3d/>
+    <dgm:txPr/>
+    <dgm:style>
+      <a:lnRef idx="2">
+        <a:scrgbClr r="0" g="0" b="0"/>
+      </a:lnRef>
+      <a:fillRef idx="1">
+        <a:scrgbClr r="0" g="0" b="0"/>
+      </a:fillRef>
+      <a:effectRef idx="0">
+        <a:scrgbClr r="0" g="0" b="0"/>
+      </a:effectRef>
+      <a:fontRef idx="minor">
+        <a:schemeClr val="lt1"/>
+      </a:fontRef>
+    </dgm:style>
+  </dgm:styleLbl>
+  <dgm:styleLbl name="asst1">
+    <dgm:scene3d>
+      <a:camera prst="orthographicFront"/>
+      <a:lightRig rig="threePt" dir="t"/>
+    </dgm:scene3d>
+    <dgm:sp3d/>
+    <dgm:txPr/>
+    <dgm:style>
+      <a:lnRef idx="2">
+        <a:scrgbClr r="0" g="0" b="0"/>
+      </a:lnRef>
+      <a:fillRef idx="1">
+        <a:scrgbClr r="0" g="0" b="0"/>
+      </a:fillRef>
+      <a:effectRef idx="0">
+        <a:scrgbClr r="0" g="0" b="0"/>
+      </a:effectRef>
+      <a:fontRef idx="minor">
+        <a:schemeClr val="lt1"/>
+      </a:fontRef>
+    </dgm:style>
+  </dgm:styleLbl>
+  <dgm:styleLbl name="asst2">
+    <dgm:scene3d>
+      <a:camera prst="orthographicFront"/>
+      <a:lightRig rig="threePt" dir="t"/>
+    </dgm:scene3d>
+    <dgm:sp3d/>
+    <dgm:txPr/>
+    <dgm:style>
+      <a:lnRef idx="2">
+        <a:scrgbClr r="0" g="0" b="0"/>
+      </a:lnRef>
+      <a:fillRef idx="1">
+        <a:scrgbClr r="0" g="0" b="0"/>
+      </a:fillRef>
+      <a:effectRef idx="0">
+        <a:scrgbClr r="0" g="0" b="0"/>
+      </a:effectRef>
+      <a:fontRef idx="minor">
+        <a:schemeClr val="lt1"/>
+      </a:fontRef>
+    </dgm:style>
+  </dgm:styleLbl>
+  <dgm:styleLbl name="asst3">
+    <dgm:scene3d>
+      <a:camera prst="orthographicFront"/>
+      <a:lightRig rig="threePt" dir="t"/>
+    </dgm:scene3d>
+    <dgm:sp3d/>
+    <dgm:txPr/>
+    <dgm:style>
+      <a:lnRef idx="2">
+        <a:scrgbClr r="0" g="0" b="0"/>
+      </a:lnRef>
+      <a:fillRef idx="1">
+        <a:scrgbClr r="0" g="0" b="0"/>
+      </a:fillRef>
+      <a:effectRef idx="0">
+        <a:scrgbClr r="0" g="0" b="0"/>
+      </a:effectRef>
+      <a:fontRef idx="minor">
+        <a:schemeClr val="lt1"/>
+      </a:fontRef>
+    </dgm:style>
+  </dgm:styleLbl>
+  <dgm:styleLbl name="asst4">
+    <dgm:scene3d>
+      <a:camera prst="orthographicFront"/>
+      <a:lightRig rig="threePt" dir="t"/>
+    </dgm:scene3d>
+    <dgm:sp3d/>
+    <dgm:txPr/>
+    <dgm:style>
+      <a:lnRef idx="2">
+        <a:scrgbClr r="0" g="0" b="0"/>
+      </a:lnRef>
+      <a:fillRef idx="1">
+        <a:scrgbClr r="0" g="0" b="0"/>
+      </a:fillRef>
+      <a:effectRef idx="0">
+        <a:scrgbClr r="0" g="0" b="0"/>
+      </a:effectRef>
+      <a:fontRef idx="minor">
+        <a:schemeClr val="lt1"/>
+      </a:fontRef>
+    </dgm:style>
+  </dgm:styleLbl>
+  <dgm:styleLbl name="parChTrans2D1">
+    <dgm:scene3d>
+      <a:camera prst="orthographicFront"/>
+      <a:lightRig rig="threePt" dir="t"/>
+    </dgm:scene3d>
+    <dgm:sp3d/>
+    <dgm:txPr/>
+    <dgm:style>
+      <a:lnRef idx="2">
+        <a:scrgbClr r="0" g="0" b="0"/>
+      </a:lnRef>
+      <a:fillRef idx="1">
+        <a:scrgbClr r="0" g="0" b="0"/>
+      </a:fillRef>
+      <a:effectRef idx="0">
+        <a:scrgbClr r="0" g="0" b="0"/>
+      </a:effectRef>
+      <a:fontRef idx="minor">
+        <a:schemeClr val="lt1"/>
+      </a:fontRef>
+    </dgm:style>
+  </dgm:styleLbl>
+  <dgm:styleLbl name="parChTrans2D2">
+    <dgm:scene3d>
+      <a:camera prst="orthographicFront"/>
+      <a:lightRig rig="threePt" dir="t"/>
+    </dgm:scene3d>
+    <dgm:sp3d/>
+    <dgm:txPr/>
+    <dgm:style>
+      <a:lnRef idx="2">
+        <a:scrgbClr r="0" g="0" b="0"/>
+      </a:lnRef>
+      <a:fillRef idx="1">
+        <a:scrgbClr r="0" g="0" b="0"/>
+      </a:fillRef>
+      <a:effectRef idx="0">
+        <a:scrgbClr r="0" g="0" b="0"/>
+      </a:effectRef>
+      <a:fontRef idx="minor">
+        <a:schemeClr val="lt1"/>
+      </a:fontRef>
+    </dgm:style>
+  </dgm:styleLbl>
+  <dgm:styleLbl name="parChTrans2D3">
+    <dgm:scene3d>
+      <a:camera prst="orthographicFront"/>
+      <a:lightRig rig="threePt" dir="t"/>
+    </dgm:scene3d>
+    <dgm:sp3d/>
+    <dgm:txPr/>
+    <dgm:style>
+      <a:lnRef idx="2">
+        <a:scrgbClr r="0" g="0" b="0"/>
+      </a:lnRef>
+      <a:fillRef idx="1">
+        <a:scrgbClr r="0" g="0" b="0"/>
+      </a:fillRef>
+      <a:effectRef idx="0">
+        <a:scrgbClr r="0" g="0" b="0"/>
+      </a:effectRef>
+      <a:fontRef idx="minor">
+        <a:schemeClr val="lt1"/>
+      </a:fontRef>
+    </dgm:style>
+  </dgm:styleLbl>
+  <dgm:styleLbl name="parChTrans2D4">
+    <dgm:scene3d>
+      <a:camera prst="orthographicFront"/>
+      <a:lightRig rig="threePt" dir="t"/>
+    </dgm:scene3d>
+    <dgm:sp3d/>
+    <dgm:txPr/>
+    <dgm:style>
+      <a:lnRef idx="2">
+        <a:scrgbClr r="0" g="0" b="0"/>
+      </a:lnRef>
+      <a:fillRef idx="1">
+        <a:scrgbClr r="0" g="0" b="0"/>
+      </a:fillRef>
+      <a:effectRef idx="0">
+        <a:scrgbClr r="0" g="0" b="0"/>
+      </a:effectRef>
+      <a:fontRef idx="minor">
+        <a:schemeClr val="lt1"/>
+      </a:fontRef>
+    </dgm:style>
+  </dgm:styleLbl>
+  <dgm:styleLbl name="parChTrans1D1">
+    <dgm:scene3d>
+      <a:camera prst="orthographicFront"/>
+      <a:lightRig rig="threePt" dir="t"/>
+    </dgm:scene3d>
+    <dgm:sp3d/>
+    <dgm:txPr/>
+    <dgm:style>
+      <a:lnRef idx="2">
+        <a:scrgbClr r="0" g="0" b="0"/>
+      </a:lnRef>
+      <a:fillRef idx="0">
+        <a:scrgbClr r="0" g="0" b="0"/>
+      </a:fillRef>
+      <a:effectRef idx="0">
+        <a:scrgbClr r="0" g="0" b="0"/>
+      </a:effectRef>
+      <a:fontRef idx="minor"/>
+    </dgm:style>
+  </dgm:styleLbl>
+  <dgm:styleLbl name="parChTrans1D2">
+    <dgm:scene3d>
+      <a:camera prst="orthographicFront"/>
+      <a:lightRig rig="threePt" dir="t"/>
+    </dgm:scene3d>
+    <dgm:sp3d/>
+    <dgm:txPr/>
+    <dgm:style>
+      <a:lnRef idx="2">
+        <a:scrgbClr r="0" g="0" b="0"/>
+      </a:lnRef>
+      <a:fillRef idx="0">
+        <a:scrgbClr r="0" g="0" b="0"/>
+      </a:fillRef>
+      <a:effectRef idx="0">
+        <a:scrgbClr r="0" g="0" b="0"/>
+      </a:effectRef>
+      <a:fontRef idx="minor"/>
+    </dgm:style>
+  </dgm:styleLbl>
+  <dgm:styleLbl name="parChTrans1D3">
+    <dgm:scene3d>
+      <a:camera prst="orthographicFront"/>
+      <a:lightRig rig="threePt" dir="t"/>
+    </dgm:scene3d>
+    <dgm:sp3d/>
+    <dgm:txPr/>
+    <dgm:style>
+      <a:lnRef idx="2">
+        <a:scrgbClr r="0" g="0" b="0"/>
+      </a:lnRef>
+      <a:fillRef idx="0">
+        <a:scrgbClr r="0" g="0" b="0"/>
+      </a:fillRef>
+      <a:effectRef idx="0">
+        <a:scrgbClr r="0" g="0" b="0"/>
+      </a:effectRef>
+      <a:fontRef idx="minor"/>
+    </dgm:style>
+  </dgm:styleLbl>
+  <dgm:styleLbl name="parChTrans1D4">
+    <dgm:scene3d>
+      <a:camera prst="orthographicFront"/>
+      <a:lightRig rig="threePt" dir="t"/>
+    </dgm:scene3d>
+    <dgm:sp3d/>
+    <dgm:txPr/>
+    <dgm:style>
+      <a:lnRef idx="2">
+        <a:scrgbClr r="0" g="0" b="0"/>
+      </a:lnRef>
+      <a:fillRef idx="0">
+        <a:scrgbClr r="0" g="0" b="0"/>
+      </a:fillRef>
+      <a:effectRef idx="0">
+        <a:scrgbClr r="0" g="0" b="0"/>
+      </a:effectRef>
+      <a:fontRef idx="minor"/>
+    </dgm:style>
+  </dgm:styleLbl>
+  <dgm:styleLbl name="fgAcc1">
+    <dgm:scene3d>
+      <a:camera prst="orthographicFront"/>
+      <a:lightRig rig="threePt" dir="t"/>
+    </dgm:scene3d>
+    <dgm:sp3d/>
+    <dgm:txPr/>
+    <dgm:style>
+      <a:lnRef idx="2">
+        <a:scrgbClr r="0" g="0" b="0"/>
+      </a:lnRef>
+      <a:fillRef idx="1">
+        <a:scrgbClr r="0" g="0" b="0"/>
+      </a:fillRef>
+      <a:effectRef idx="0">
+        <a:scrgbClr r="0" g="0" b="0"/>
+      </a:effectRef>
+      <a:fontRef idx="minor"/>
+    </dgm:style>
+  </dgm:styleLbl>
+  <dgm:styleLbl name="conFgAcc1">
+    <dgm:scene3d>
+      <a:camera prst="orthographicFront"/>
+      <a:lightRig rig="threePt" dir="t"/>
+    </dgm:scene3d>
+    <dgm:sp3d/>
+    <dgm:txPr/>
+    <dgm:style>
+      <a:lnRef idx="2">
+        <a:scrgbClr r="0" g="0" b="0"/>
+      </a:lnRef>
+      <a:fillRef idx="1">
+        <a:scrgbClr r="0" g="0" b="0"/>
+      </a:fillRef>
+      <a:effectRef idx="0">
+        <a:scrgbClr r="0" g="0" b="0"/>
+      </a:effectRef>
+      <a:fontRef idx="minor"/>
+    </dgm:style>
+  </dgm:styleLbl>
+  <dgm:styleLbl name="alignAcc1">
+    <dgm:scene3d>
+      <a:camera prst="orthographicFront"/>
+      <a:lightRig rig="threePt" dir="t"/>
+    </dgm:scene3d>
+    <dgm:sp3d/>
+    <dgm:txPr/>
+    <dgm:style>
+      <a:lnRef idx="2">
+        <a:scrgbClr r="0" g="0" b="0"/>
+      </a:lnRef>
+      <a:fillRef idx="1">
+        <a:scrgbClr r="0" g="0" b="0"/>
+      </a:fillRef>
+      <a:effectRef idx="0">
+        <a:scrgbClr r="0" g="0" b="0"/>
+      </a:effectRef>
+      <a:fontRef idx="minor"/>
+    </dgm:style>
+  </dgm:styleLbl>
+  <dgm:styleLbl name="trAlignAcc1">
+    <dgm:scene3d>
+      <a:camera prst="orthographicFront"/>
+      <a:lightRig rig="threePt" dir="t"/>
+    </dgm:scene3d>
+    <dgm:sp3d/>
+    <dgm:txPr/>
+    <dgm:style>
+      <a:lnRef idx="1">
+        <a:scrgbClr r="0" g="0" b="0"/>
+      </a:lnRef>
+      <a:fillRef idx="1">
+        <a:scrgbClr r="0" g="0" b="0"/>
+      </a:fillRef>
+      <a:effectRef idx="0">
+        <a:scrgbClr r="0" g="0" b="0"/>
+      </a:effectRef>
+      <a:fontRef idx="minor"/>
+    </dgm:style>
+  </dgm:styleLbl>
+  <dgm:styleLbl name="bgAcc1">
+    <dgm:scene3d>
+      <a:camera prst="orthographicFront"/>
+      <a:lightRig rig="threePt" dir="t"/>
+    </dgm:scene3d>
+    <dgm:sp3d/>
+    <dgm:txPr/>
+    <dgm:style>
+      <a:lnRef idx="2">
+        <a:scrgbClr r="0" g="0" b="0"/>
+      </a:lnRef>
+      <a:fillRef idx="1">
+        <a:scrgbClr r="0" g="0" b="0"/>
+      </a:fillRef>
+      <a:effectRef idx="0">
+        <a:scrgbClr r="0" g="0" b="0"/>
+      </a:effectRef>
+      <a:fontRef idx="minor"/>
+    </dgm:style>
+  </dgm:styleLbl>
+  <dgm:styleLbl name="solidFgAcc1">
+    <dgm:scene3d>
+      <a:camera prst="orthographicFront"/>
+      <a:lightRig rig="threePt" dir="t"/>
+    </dgm:scene3d>
+    <dgm:sp3d/>
+    <dgm:txPr/>
+    <dgm:style>
+      <a:lnRef idx="2">
+        <a:scrgbClr r="0" g="0" b="0"/>
+      </a:lnRef>
+      <a:fillRef idx="1">
+        <a:scrgbClr r="0" g="0" b="0"/>
+      </a:fillRef>
+      <a:effectRef idx="0">
+        <a:scrgbClr r="0" g="0" b="0"/>
+      </a:effectRef>
+      <a:fontRef idx="minor"/>
+    </dgm:style>
+  </dgm:styleLbl>
+  <dgm:styleLbl name="solidAlignAcc1">
+    <dgm:scene3d>
+      <a:camera prst="orthographicFront"/>
+      <a:lightRig rig="threePt" dir="t"/>
+    </dgm:scene3d>
+    <dgm:sp3d/>
+    <dgm:txPr/>
+    <dgm:style>
+      <a:lnRef idx="2">
+        <a:scrgbClr r="0" g="0" b="0"/>
+      </a:lnRef>
+      <a:fillRef idx="1">
+        <a:scrgbClr r="0" g="0" b="0"/>
+      </a:fillRef>
+      <a:effectRef idx="0">
+        <a:scrgbClr r="0" g="0" b="0"/>
+      </a:effectRef>
+      <a:fontRef idx="minor"/>
+    </dgm:style>
+  </dgm:styleLbl>
+  <dgm:styleLbl name="solidBgAcc1">
+    <dgm:scene3d>
+      <a:camera prst="orthographicFront"/>
+      <a:lightRig rig="threePt" dir="t"/>
+    </dgm:scene3d>
+    <dgm:sp3d/>
+    <dgm:txPr/>
+    <dgm:style>
+      <a:lnRef idx="2">
+        <a:scrgbClr r="0" g="0" b="0"/>
+      </a:lnRef>
+      <a:fillRef idx="1">
+        <a:scrgbClr r="0" g="0" b="0"/>
+      </a:fillRef>
+      <a:effectRef idx="0">
+        <a:scrgbClr r="0" g="0" b="0"/>
+      </a:effectRef>
+      <a:fontRef idx="minor"/>
+    </dgm:style>
+  </dgm:styleLbl>
+  <dgm:styleLbl name="fgAccFollowNode1">
+    <dgm:scene3d>
+      <a:camera prst="orthographicFront"/>
+      <a:lightRig rig="threePt" dir="t"/>
+    </dgm:scene3d>
+    <dgm:sp3d/>
+    <dgm:txPr/>
+    <dgm:style>
+      <a:lnRef idx="2">
+        <a:scrgbClr r="0" g="0" b="0"/>
+      </a:lnRef>
+      <a:fillRef idx="1">
+        <a:scrgbClr r="0" g="0" b="0"/>
+      </a:fillRef>
+      <a:effectRef idx="0">
+        <a:scrgbClr r="0" g="0" b="0"/>
+      </a:effectRef>
+      <a:fontRef idx="minor"/>
+    </dgm:style>
+  </dgm:styleLbl>
+  <dgm:styleLbl name="alignAccFollowNode1">
+    <dgm:scene3d>
+      <a:camera prst="orthographicFront"/>
+      <a:lightRig rig="threePt" dir="t"/>
+    </dgm:scene3d>
+    <dgm:sp3d/>
+    <dgm:txPr/>
+    <dgm:style>
+      <a:lnRef idx="2">
+        <a:scrgbClr r="0" g="0" b="0"/>
+      </a:lnRef>
+      <a:fillRef idx="1">
+        <a:scrgbClr r="0" g="0" b="0"/>
+      </a:fillRef>
+      <a:effectRef idx="0">
+        <a:scrgbClr r="0" g="0" b="0"/>
+      </a:effectRef>
+      <a:fontRef idx="minor"/>
+    </dgm:style>
+  </dgm:styleLbl>
+  <dgm:styleLbl name="bgAccFollowNode1">
+    <dgm:scene3d>
+      <a:camera prst="orthographicFront"/>
+      <a:lightRig rig="threePt" dir="t"/>
+    </dgm:scene3d>
+    <dgm:sp3d/>
+    <dgm:txPr/>
+    <dgm:style>
+      <a:lnRef idx="2">
+        <a:scrgbClr r="0" g="0" b="0"/>
+      </a:lnRef>
+      <a:fillRef idx="1">
+        <a:scrgbClr r="0" g="0" b="0"/>
+      </a:fillRef>
+      <a:effectRef idx="0">
+        <a:scrgbClr r="0" g="0" b="0"/>
+      </a:effectRef>
+      <a:fontRef idx="minor"/>
+    </dgm:style>
+  </dgm:styleLbl>
+  <dgm:styleLbl name="fgAcc0">
+    <dgm:scene3d>
+      <a:camera prst="orthographicFront"/>
+      <a:lightRig rig="threePt" dir="t"/>
+    </dgm:scene3d>
+    <dgm:sp3d/>
+    <dgm:txPr/>
+    <dgm:style>
+      <a:lnRef idx="2">
+        <a:scrgbClr r="0" g="0" b="0"/>
+      </a:lnRef>
+      <a:fillRef idx="1">
+        <a:scrgbClr r="0" g="0" b="0"/>
+      </a:fillRef>
+      <a:effectRef idx="0">
+        <a:scrgbClr r="0" g="0" b="0"/>
+      </a:effectRef>
+      <a:fontRef idx="minor"/>
+    </dgm:style>
+  </dgm:styleLbl>
+  <dgm:styleLbl name="fgAcc2">
+    <dgm:scene3d>
+      <a:camera prst="orthographicFront"/>
+      <a:lightRig rig="threePt" dir="t"/>
+    </dgm:scene3d>
+    <dgm:sp3d/>
+    <dgm:txPr/>
+    <dgm:style>
+      <a:lnRef idx="2">
+        <a:scrgbClr r="0" g="0" b="0"/>
+      </a:lnRef>
+      <a:fillRef idx="1">
+        <a:scrgbClr r="0" g="0" b="0"/>
+      </a:fillRef>
+      <a:effectRef idx="0">
+        <a:scrgbClr r="0" g="0" b="0"/>
+      </a:effectRef>
+      <a:fontRef idx="minor"/>
+    </dgm:style>
+  </dgm:styleLbl>
+  <dgm:styleLbl name="fgAcc3">
+    <dgm:scene3d>
+      <a:camera prst="orthographicFront"/>
+      <a:lightRig rig="threePt" dir="t"/>
+    </dgm:scene3d>
+    <dgm:sp3d/>
+    <dgm:txPr/>
+    <dgm:style>
+      <a:lnRef idx="2">
+        <a:scrgbClr r="0" g="0" b="0"/>
+      </a:lnRef>
+      <a:fillRef idx="1">
+        <a:scrgbClr r="0" g="0" b="0"/>
+      </a:fillRef>
+      <a:effectRef idx="0">
+        <a:scrgbClr r="0" g="0" b="0"/>
+      </a:effectRef>
+      <a:fontRef idx="minor"/>
+    </dgm:style>
+  </dgm:styleLbl>
+  <dgm:styleLbl name="fgAcc4">
+    <dgm:scene3d>
+      <a:camera prst="orthographicFront"/>
+      <a:lightRig rig="threePt" dir="t"/>
+    </dgm:scene3d>
+    <dgm:sp3d/>
+    <dgm:txPr/>
+    <dgm:style>
+      <a:lnRef idx="2">
+        <a:scrgbClr r="0" g="0" b="0"/>
+      </a:lnRef>
+      <a:fillRef idx="1">
+        <a:scrgbClr r="0" g="0" b="0"/>
+      </a:fillRef>
+      <a:effectRef idx="0">
+        <a:scrgbClr r="0" g="0" b="0"/>
+      </a:effectRef>
+      <a:fontRef idx="minor"/>
+    </dgm:style>
+  </dgm:styleLbl>
+  <dgm:styleLbl name="bgShp">
+    <dgm:scene3d>
+      <a:camera prst="orthographicFront"/>
+      <a:lightRig rig="threePt" dir="t"/>
+    </dgm:scene3d>
+    <dgm:sp3d/>
+    <dgm:txPr/>
+    <dgm:style>
+      <a:lnRef idx="0">
+        <a:scrgbClr r="0" g="0" b="0"/>
+      </a:lnRef>
+      <a:fillRef idx="1">
+        <a:scrgbClr r="0" g="0" b="0"/>
+      </a:fillRef>
+      <a:effectRef idx="0">
+        <a:scrgbClr r="0" g="0" b="0"/>
+      </a:effectRef>
+      <a:fontRef idx="minor"/>
+    </dgm:style>
+  </dgm:styleLbl>
+  <dgm:styleLbl name="dkBgShp">
+    <dgm:scene3d>
+      <a:camera prst="orthographicFront"/>
+      <a:lightRig rig="threePt" dir="t"/>
+    </dgm:scene3d>
+    <dgm:sp3d/>
+    <dgm:txPr/>
+    <dgm:style>
+      <a:lnRef idx="0">
+        <a:scrgbClr r="0" g="0" b="0"/>
+      </a:lnRef>
+      <a:fillRef idx="1">
+        <a:scrgbClr r="0" g="0" b="0"/>
+      </a:fillRef>
+      <a:effectRef idx="0">
+        <a:scrgbClr r="0" g="0" b="0"/>
+      </a:effectRef>
+      <a:fontRef idx="minor"/>
+    </dgm:style>
+  </dgm:styleLbl>
+  <dgm:styleLbl name="trBgShp">
+    <dgm:scene3d>
+      <a:camera prst="orthographicFront"/>
+      <a:lightRig rig="threePt" dir="t"/>
+    </dgm:scene3d>
+    <dgm:sp3d/>
+    <dgm:txPr/>
+    <dgm:style>
+      <a:lnRef idx="0">
+        <a:scrgbClr r="0" g="0" b="0"/>
+      </a:lnRef>
+      <a:fillRef idx="1">
+        <a:scrgbClr r="0" g="0" b="0"/>
+      </a:fillRef>
+      <a:effectRef idx="0">
+        <a:scrgbClr r="0" g="0" b="0"/>
+      </a:effectRef>
+      <a:fontRef idx="minor"/>
+    </dgm:style>
+  </dgm:styleLbl>
+  <dgm:styleLbl name="fgShp">
+    <dgm:scene3d>
+      <a:camera prst="orthographicFront"/>
+      <a:lightRig rig="threePt" dir="t"/>
+    </dgm:scene3d>
+    <dgm:sp3d/>
+    <dgm:txPr/>
+    <dgm:style>
+      <a:lnRef idx="2">
+        <a:scrgbClr r="0" g="0" b="0"/>
+      </a:lnRef>
+      <a:fillRef idx="1">
+        <a:scrgbClr r="0" g="0" b="0"/>
+      </a:fillRef>
+      <a:effectRef idx="0">
+        <a:scrgbClr r="0" g="0" b="0"/>
+      </a:effectRef>
+      <a:fontRef idx="minor"/>
+    </dgm:style>
+  </dgm:styleLbl>
+  <dgm:styleLbl name="revTx">
+    <dgm:scene3d>
+      <a:camera prst="orthographicFront"/>
+      <a:lightRig rig="threePt" dir="t"/>
+    </dgm:scene3d>
+    <dgm:sp3d/>
+    <dgm:txPr/>
+    <dgm:style>
+      <a:lnRef idx="0">
+        <a:scrgbClr r="0" g="0" b="0"/>
+      </a:lnRef>
+      <a:fillRef idx="0">
+        <a:scrgbClr r="0" g="0" b="0"/>
+      </a:fillRef>
+      <a:effectRef idx="0">
+        <a:scrgbClr r="0" g="0" b="0"/>
+      </a:effectRef>
+      <a:fontRef idx="minor"/>
+    </dgm:style>
+  </dgm:styleLbl>
+</dgm:styleDef>
+</file>
+
 <file path=ppt/handoutMasters/handoutMaster1.xml><?xml version="1.0" encoding="utf-8"?>
 <p:handoutMaster xmlns:a="http://schemas.openxmlformats.org/drawingml/2006/main" xmlns:r="http://schemas.openxmlformats.org/officeDocument/2006/relationships" xmlns:p="http://schemas.openxmlformats.org/presentationml/2006/main">
   <p:cSld>
@@ -14483,7 +17140,7 @@
             <a:pPr rtl="0"/>
             <a:fld id="{C3565ABF-7DEC-4ADF-BFD3-D6A26056D92F}" type="datetime1">
               <a:rPr lang="de-DE" smtClean="0"/>
-              <a:t>26.02.2022</a:t>
+              <a:t>28.02.2022</a:t>
             </a:fld>
             <a:endParaRPr lang="de-DE" dirty="0"/>
           </a:p>
@@ -14664,7 +17321,7 @@
             <a:fld id="{2AA45D96-2ECE-421E-8B9B-011F64847CD9}" type="datetime1">
               <a:rPr lang="de-DE" smtClean="0"/>
               <a:pPr/>
-              <a:t>26.02.2022</a:t>
+              <a:t>28.02.2022</a:t>
             </a:fld>
             <a:endParaRPr lang="de-DE" dirty="0"/>
           </a:p>
@@ -15767,7 +18424,7 @@
             <a:pPr rtl="0"/>
             <a:fld id="{E906B6B5-8AB2-4A19-98D0-2CD3F7945829}" type="datetime1">
               <a:rPr lang="de-DE" noProof="0" smtClean="0"/>
-              <a:t>26.02.2022</a:t>
+              <a:t>28.02.2022</a:t>
             </a:fld>
             <a:endParaRPr lang="de-DE" noProof="0" dirty="0"/>
           </a:p>
@@ -15989,7 +18646,7 @@
             <a:pPr rtl="0"/>
             <a:fld id="{FDEBEFDC-5157-4519-92EC-CF97DB3EF393}" type="datetime1">
               <a:rPr lang="de-DE" noProof="0" smtClean="0"/>
-              <a:t>26.02.2022</a:t>
+              <a:t>28.02.2022</a:t>
             </a:fld>
             <a:endParaRPr lang="de-DE" noProof="0" dirty="0"/>
           </a:p>
@@ -16201,7 +18858,7 @@
             <a:pPr rtl="0"/>
             <a:fld id="{66443C9B-CDA6-4222-82E3-B3E3F9120D5D}" type="datetime1">
               <a:rPr lang="de-DE" noProof="0" smtClean="0"/>
-              <a:t>26.02.2022</a:t>
+              <a:t>28.02.2022</a:t>
             </a:fld>
             <a:endParaRPr lang="de-DE" noProof="0" dirty="0"/>
           </a:p>
@@ -16489,7 +19146,7 @@
             <a:pPr rtl="0"/>
             <a:fld id="{323636EA-57E7-4E8C-9393-80C8D7EE3875}" type="datetime1">
               <a:rPr lang="de-DE" noProof="0" smtClean="0"/>
-              <a:t>26.02.2022</a:t>
+              <a:t>28.02.2022</a:t>
             </a:fld>
             <a:endParaRPr lang="de-DE" noProof="0" dirty="0"/>
           </a:p>
@@ -16769,7 +19426,7 @@
             <a:pPr rtl="0"/>
             <a:fld id="{87BC29F5-5EA1-4C84-9D53-4AEEA6A60824}" type="datetime1">
               <a:rPr lang="de-DE" noProof="0" smtClean="0"/>
-              <a:t>26.02.2022</a:t>
+              <a:t>28.02.2022</a:t>
             </a:fld>
             <a:endParaRPr lang="de-DE" noProof="0" dirty="0"/>
           </a:p>
@@ -17196,7 +19853,7 @@
             <a:pPr rtl="0"/>
             <a:fld id="{8AD8CC66-E39B-4613-B119-28958000DEBD}" type="datetime1">
               <a:rPr lang="de-DE" noProof="0" smtClean="0"/>
-              <a:t>26.02.2022</a:t>
+              <a:t>28.02.2022</a:t>
             </a:fld>
             <a:endParaRPr lang="de-DE" noProof="0" dirty="0"/>
           </a:p>
@@ -17350,7 +20007,7 @@
             <a:pPr rtl="0"/>
             <a:fld id="{1F552A58-86FE-44F3-9A4C-9F61F555D107}" type="datetime1">
               <a:rPr lang="de-DE" noProof="0" smtClean="0"/>
-              <a:t>26.02.2022</a:t>
+              <a:t>28.02.2022</a:t>
             </a:fld>
             <a:endParaRPr lang="de-DE" noProof="0" dirty="0"/>
           </a:p>
@@ -17489,7 +20146,7 @@
             <a:pPr rtl="0"/>
             <a:fld id="{194367B4-BE2D-481C-B552-9CE3E250F50F}" type="datetime1">
               <a:rPr lang="de-DE" noProof="0" smtClean="0"/>
-              <a:t>26.02.2022</a:t>
+              <a:t>28.02.2022</a:t>
             </a:fld>
             <a:endParaRPr lang="de-DE" noProof="0" dirty="0"/>
           </a:p>
@@ -17814,7 +20471,7 @@
             <a:pPr rtl="0"/>
             <a:fld id="{56335D05-433A-465C-AB25-80E15B4C8780}" type="datetime1">
               <a:rPr lang="de-DE" noProof="0" smtClean="0"/>
-              <a:t>26.02.2022</a:t>
+              <a:t>28.02.2022</a:t>
             </a:fld>
             <a:endParaRPr lang="de-DE" noProof="0" dirty="0"/>
           </a:p>
@@ -18120,7 +20777,7 @@
             <a:pPr rtl="0"/>
             <a:fld id="{E3B24122-B854-4AD3-BA95-E7564F834DBB}" type="datetime1">
               <a:rPr lang="de-DE" noProof="0" smtClean="0"/>
-              <a:t>26.02.2022</a:t>
+              <a:t>28.02.2022</a:t>
             </a:fld>
             <a:endParaRPr lang="de-DE" noProof="0" dirty="0"/>
           </a:p>
@@ -20185,7 +22842,10 @@
               <a:rPr lang="de-DE" noProof="0" smtClean="0"/>
               <a:t>10</a:t>
             </a:fld>
-            <a:endParaRPr lang="de-DE" noProof="0" dirty="0"/>
+            <a:r>
+              <a:rPr lang="de-DE" noProof="0" dirty="0"/>
+              <a:t>/10</a:t>
+            </a:r>
           </a:p>
         </p:txBody>
       </p:sp>
@@ -32020,192 +34680,37 @@
           </a:p>
         </p:txBody>
       </p:sp>
-      <p:pic>
-        <p:nvPicPr>
-          <p:cNvPr id="13" name="Inhaltsplatzhalter 12" descr="Webdesign mit einfarbiger Füllung">
+      <p:graphicFrame>
+        <p:nvGraphicFramePr>
+          <p:cNvPr id="12" name="Inhaltsplatzhalter 11">
             <a:extLst>
               <a:ext uri="{FF2B5EF4-FFF2-40B4-BE49-F238E27FC236}">
-                <a16:creationId xmlns:a16="http://schemas.microsoft.com/office/drawing/2014/main" id="{271FC9C4-3275-4044-AD74-A3047C7E612E}"/>
+                <a16:creationId xmlns:a16="http://schemas.microsoft.com/office/drawing/2014/main" id="{D1B0F994-A049-4248-8A3F-AEF6E9DEFE54}"/>
               </a:ext>
             </a:extLst>
           </p:cNvPr>
-          <p:cNvPicPr>
-            <a:picLocks noGrp="1" noChangeAspect="1"/>
-          </p:cNvPicPr>
+          <p:cNvGraphicFramePr>
+            <a:graphicFrameLocks noGrp="1"/>
+          </p:cNvGraphicFramePr>
           <p:nvPr>
             <p:ph idx="1"/>
+            <p:extLst>
+              <p:ext uri="{D42A27DB-BD31-4B8C-83A1-F6EECF244321}">
+                <p14:modId xmlns:p14="http://schemas.microsoft.com/office/powerpoint/2010/main" val="3384138273"/>
+              </p:ext>
+            </p:extLst>
           </p:nvPr>
-        </p:nvPicPr>
-        <p:blipFill>
-          <a:blip r:embed="rId2">
-            <a:extLst>
-              <a:ext uri="{28A0092B-C50C-407E-A947-70E740481C1C}">
-                <a14:useLocalDpi xmlns:a14="http://schemas.microsoft.com/office/drawing/2010/main" val="0"/>
-              </a:ext>
-              <a:ext uri="{96DAC541-7B7A-43D3-8B79-37D633B846F1}">
-                <asvg:svgBlip xmlns:asvg="http://schemas.microsoft.com/office/drawing/2016/SVG/main" r:embed="rId3"/>
-              </a:ext>
-            </a:extLst>
-          </a:blip>
-          <a:stretch>
-            <a:fillRect/>
-          </a:stretch>
-        </p:blipFill>
-        <p:spPr>
-          <a:xfrm>
-            <a:off x="1442547" y="1812685"/>
-            <a:ext cx="2256362" cy="2256362"/>
-          </a:xfrm>
-        </p:spPr>
-      </p:pic>
-      <p:pic>
-        <p:nvPicPr>
-          <p:cNvPr id="15" name="Grafik 14" descr="Datenbank mit einfarbiger Füllung">
-            <a:extLst>
-              <a:ext uri="{FF2B5EF4-FFF2-40B4-BE49-F238E27FC236}">
-                <a16:creationId xmlns:a16="http://schemas.microsoft.com/office/drawing/2014/main" id="{310D1AF3-22B9-4D25-B27B-76D2E176B954}"/>
-              </a:ext>
-            </a:extLst>
-          </p:cNvPr>
-          <p:cNvPicPr>
-            <a:picLocks noChangeAspect="1"/>
-          </p:cNvPicPr>
-          <p:nvPr/>
-        </p:nvPicPr>
-        <p:blipFill>
-          <a:blip r:embed="rId4">
-            <a:extLst>
-              <a:ext uri="{28A0092B-C50C-407E-A947-70E740481C1C}">
-                <a14:useLocalDpi xmlns:a14="http://schemas.microsoft.com/office/drawing/2010/main" val="0"/>
-              </a:ext>
-              <a:ext uri="{96DAC541-7B7A-43D3-8B79-37D633B846F1}">
-                <asvg:svgBlip xmlns:asvg="http://schemas.microsoft.com/office/drawing/2016/SVG/main" r:embed="rId5"/>
-              </a:ext>
-            </a:extLst>
-          </a:blip>
-          <a:stretch>
-            <a:fillRect/>
-          </a:stretch>
-        </p:blipFill>
-        <p:spPr>
-          <a:xfrm>
-            <a:off x="5184623" y="1860921"/>
-            <a:ext cx="2208126" cy="2208126"/>
-          </a:xfrm>
-          <a:prstGeom prst="rect">
-            <a:avLst/>
-          </a:prstGeom>
-        </p:spPr>
-      </p:pic>
-      <p:sp>
-        <p:nvSpPr>
-          <p:cNvPr id="16" name="Textfeld 15">
-            <a:extLst>
-              <a:ext uri="{FF2B5EF4-FFF2-40B4-BE49-F238E27FC236}">
-                <a16:creationId xmlns:a16="http://schemas.microsoft.com/office/drawing/2014/main" id="{3546257A-33FE-4FD5-9292-C98166510CED}"/>
-              </a:ext>
-            </a:extLst>
-          </p:cNvPr>
-          <p:cNvSpPr txBox="1"/>
-          <p:nvPr/>
-        </p:nvSpPr>
-        <p:spPr>
-          <a:xfrm>
-            <a:off x="561976" y="4010816"/>
-            <a:ext cx="3890572" cy="1292662"/>
-          </a:xfrm>
-          <a:prstGeom prst="rect">
-            <a:avLst/>
-          </a:prstGeom>
-          <a:noFill/>
-        </p:spPr>
-        <p:txBody>
-          <a:bodyPr wrap="square" rtlCol="0">
-            <a:spAutoFit/>
-          </a:bodyPr>
-          <a:lstStyle/>
-          <a:p>
-            <a:pPr algn="ctr"/>
-            <a:r>
-              <a:rPr lang="de-DE" sz="2400" b="1" dirty="0"/>
-              <a:t>Frontend</a:t>
-            </a:r>
-          </a:p>
-          <a:p>
-            <a:pPr algn="ctr"/>
-            <a:r>
-              <a:rPr lang="de-DE" dirty="0"/>
-              <a:t>Visuell ansprechendes Website-Design</a:t>
-            </a:r>
-            <a:br>
-              <a:rPr lang="de-DE" dirty="0"/>
-            </a:br>
-            <a:r>
-              <a:rPr lang="de-DE" dirty="0"/>
-              <a:t>Benutzerfreundlich</a:t>
-            </a:r>
-          </a:p>
-          <a:p>
-            <a:pPr algn="ctr"/>
-            <a:r>
-              <a:rPr lang="de-DE" dirty="0"/>
-              <a:t>API-Integration</a:t>
-            </a:r>
-            <a:endParaRPr lang="en-GB" dirty="0"/>
-          </a:p>
-        </p:txBody>
-      </p:sp>
-      <p:sp>
-        <p:nvSpPr>
-          <p:cNvPr id="18" name="Textfeld 17">
-            <a:extLst>
-              <a:ext uri="{FF2B5EF4-FFF2-40B4-BE49-F238E27FC236}">
-                <a16:creationId xmlns:a16="http://schemas.microsoft.com/office/drawing/2014/main" id="{E10ABC5A-A570-43BD-8250-5BDD399C1664}"/>
-              </a:ext>
-            </a:extLst>
-          </p:cNvPr>
-          <p:cNvSpPr txBox="1"/>
-          <p:nvPr/>
-        </p:nvSpPr>
-        <p:spPr>
-          <a:xfrm>
-            <a:off x="4452547" y="4017122"/>
-            <a:ext cx="3672278" cy="1292662"/>
-          </a:xfrm>
-          <a:prstGeom prst="rect">
-            <a:avLst/>
-          </a:prstGeom>
-          <a:noFill/>
-        </p:spPr>
-        <p:txBody>
-          <a:bodyPr wrap="square" rtlCol="0">
-            <a:spAutoFit/>
-          </a:bodyPr>
-          <a:lstStyle/>
-          <a:p>
-            <a:pPr algn="ctr"/>
-            <a:r>
-              <a:rPr lang="de-DE" sz="2400" b="1" dirty="0"/>
-              <a:t>Backend</a:t>
-            </a:r>
-          </a:p>
-          <a:p>
-            <a:pPr algn="ctr"/>
-            <a:r>
-              <a:rPr lang="de-DE" dirty="0"/>
-              <a:t>Erstellen von Datenbankstrukturen Implementierung einer Datenbank</a:t>
-            </a:r>
-          </a:p>
-          <a:p>
-            <a:pPr algn="ctr"/>
-            <a:r>
-              <a:rPr lang="de-DE" dirty="0"/>
-              <a:t>Handling von API-Anfragen</a:t>
-            </a:r>
-            <a:endParaRPr lang="en-GB" dirty="0"/>
-          </a:p>
-        </p:txBody>
-      </p:sp>
+        </p:nvGraphicFramePr>
+        <p:xfrm>
+          <a:off x="771063" y="1315617"/>
+          <a:ext cx="6478824" cy="4861248"/>
+        </p:xfrm>
+        <a:graphic>
+          <a:graphicData uri="http://schemas.openxmlformats.org/drawingml/2006/diagram">
+            <dgm:relIds xmlns:dgm="http://schemas.openxmlformats.org/drawingml/2006/diagram" xmlns:r="http://schemas.openxmlformats.org/officeDocument/2006/relationships" r:dm="rId2" r:lo="rId3" r:qs="rId4" r:cs="rId5"/>
+          </a:graphicData>
+        </a:graphic>
+      </p:graphicFrame>
     </p:spTree>
     <p:extLst>
       <p:ext uri="{BB962C8B-B14F-4D97-AF65-F5344CB8AC3E}">
@@ -33567,8 +36072,12 @@
               <a:buNone/>
             </a:pPr>
             <a:r>
+              <a:rPr lang="en-GB" sz="2400"/>
+              <a:t>~ 5h </a:t>
+            </a:r>
+            <a:r>
               <a:rPr lang="en-GB" sz="2400" dirty="0"/>
-              <a:t>~ 10h pro </a:t>
+              <a:t>pro </a:t>
             </a:r>
             <a:r>
               <a:rPr lang="en-GB" sz="2400" dirty="0" err="1"/>
@@ -33725,7 +36234,7 @@
             </a:pPr>
             <a:r>
               <a:rPr lang="en-GB" sz="2400" dirty="0"/>
-              <a:t>27. </a:t>
+              <a:t>7. </a:t>
             </a:r>
             <a:r>
               <a:rPr lang="en-GB" sz="2400" dirty="0" err="1"/>
